--- a/files/icons/icons.pptx
+++ b/files/icons/icons.pptx
@@ -11,6 +11,8 @@
     <p:sldId id="259" r:id="rId5"/>
     <p:sldId id="260" r:id="rId6"/>
     <p:sldId id="261" r:id="rId7"/>
+    <p:sldId id="263" r:id="rId8"/>
+    <p:sldId id="262" r:id="rId9"/>
   </p:sldIdLst>
   <p:sldSz cx="12192000" cy="6858000"/>
   <p:notesSz cx="6858000" cy="9144000"/>
@@ -109,6 +111,11 @@
       </a:defRPr>
     </a:lvl9pPr>
   </p:defaultTextStyle>
+  <p:extLst>
+    <p:ext uri="{EFAFB233-063F-42B5-8137-9DF3F51BA10A}">
+      <p15:sldGuideLst xmlns:p15="http://schemas.microsoft.com/office/powerpoint/2012/main"/>
+    </p:ext>
+  </p:extLst>
 </p:presentation>
 </file>
 
@@ -259,7 +266,7 @@
           <a:p>
             <a:fld id="{C4B95F18-FC4C-4838-A23D-C12CD27FD480}" type="datetimeFigureOut">
               <a:rPr lang="de-DE" smtClean="0"/>
-              <a:t>09.06.2020</a:t>
+              <a:t>26.06.2020</a:t>
             </a:fld>
             <a:endParaRPr lang="de-DE"/>
           </a:p>
@@ -457,7 +464,7 @@
           <a:p>
             <a:fld id="{C4B95F18-FC4C-4838-A23D-C12CD27FD480}" type="datetimeFigureOut">
               <a:rPr lang="de-DE" smtClean="0"/>
-              <a:t>09.06.2020</a:t>
+              <a:t>26.06.2020</a:t>
             </a:fld>
             <a:endParaRPr lang="de-DE"/>
           </a:p>
@@ -665,7 +672,7 @@
           <a:p>
             <a:fld id="{C4B95F18-FC4C-4838-A23D-C12CD27FD480}" type="datetimeFigureOut">
               <a:rPr lang="de-DE" smtClean="0"/>
-              <a:t>09.06.2020</a:t>
+              <a:t>26.06.2020</a:t>
             </a:fld>
             <a:endParaRPr lang="de-DE"/>
           </a:p>
@@ -863,7 +870,7 @@
           <a:p>
             <a:fld id="{C4B95F18-FC4C-4838-A23D-C12CD27FD480}" type="datetimeFigureOut">
               <a:rPr lang="de-DE" smtClean="0"/>
-              <a:t>09.06.2020</a:t>
+              <a:t>26.06.2020</a:t>
             </a:fld>
             <a:endParaRPr lang="de-DE"/>
           </a:p>
@@ -1138,7 +1145,7 @@
           <a:p>
             <a:fld id="{C4B95F18-FC4C-4838-A23D-C12CD27FD480}" type="datetimeFigureOut">
               <a:rPr lang="de-DE" smtClean="0"/>
-              <a:t>09.06.2020</a:t>
+              <a:t>26.06.2020</a:t>
             </a:fld>
             <a:endParaRPr lang="de-DE"/>
           </a:p>
@@ -1403,7 +1410,7 @@
           <a:p>
             <a:fld id="{C4B95F18-FC4C-4838-A23D-C12CD27FD480}" type="datetimeFigureOut">
               <a:rPr lang="de-DE" smtClean="0"/>
-              <a:t>09.06.2020</a:t>
+              <a:t>26.06.2020</a:t>
             </a:fld>
             <a:endParaRPr lang="de-DE"/>
           </a:p>
@@ -1815,7 +1822,7 @@
           <a:p>
             <a:fld id="{C4B95F18-FC4C-4838-A23D-C12CD27FD480}" type="datetimeFigureOut">
               <a:rPr lang="de-DE" smtClean="0"/>
-              <a:t>09.06.2020</a:t>
+              <a:t>26.06.2020</a:t>
             </a:fld>
             <a:endParaRPr lang="de-DE"/>
           </a:p>
@@ -1956,7 +1963,7 @@
           <a:p>
             <a:fld id="{C4B95F18-FC4C-4838-A23D-C12CD27FD480}" type="datetimeFigureOut">
               <a:rPr lang="de-DE" smtClean="0"/>
-              <a:t>09.06.2020</a:t>
+              <a:t>26.06.2020</a:t>
             </a:fld>
             <a:endParaRPr lang="de-DE"/>
           </a:p>
@@ -2069,7 +2076,7 @@
           <a:p>
             <a:fld id="{C4B95F18-FC4C-4838-A23D-C12CD27FD480}" type="datetimeFigureOut">
               <a:rPr lang="de-DE" smtClean="0"/>
-              <a:t>09.06.2020</a:t>
+              <a:t>26.06.2020</a:t>
             </a:fld>
             <a:endParaRPr lang="de-DE"/>
           </a:p>
@@ -2380,7 +2387,7 @@
           <a:p>
             <a:fld id="{C4B95F18-FC4C-4838-A23D-C12CD27FD480}" type="datetimeFigureOut">
               <a:rPr lang="de-DE" smtClean="0"/>
-              <a:t>09.06.2020</a:t>
+              <a:t>26.06.2020</a:t>
             </a:fld>
             <a:endParaRPr lang="de-DE"/>
           </a:p>
@@ -2668,7 +2675,7 @@
           <a:p>
             <a:fld id="{C4B95F18-FC4C-4838-A23D-C12CD27FD480}" type="datetimeFigureOut">
               <a:rPr lang="de-DE" smtClean="0"/>
-              <a:t>09.06.2020</a:t>
+              <a:t>26.06.2020</a:t>
             </a:fld>
             <a:endParaRPr lang="de-DE"/>
           </a:p>
@@ -2909,7 +2916,7 @@
           <a:p>
             <a:fld id="{C4B95F18-FC4C-4838-A23D-C12CD27FD480}" type="datetimeFigureOut">
               <a:rPr lang="de-DE" smtClean="0"/>
-              <a:t>09.06.2020</a:t>
+              <a:t>26.06.2020</a:t>
             </a:fld>
             <a:endParaRPr lang="de-DE"/>
           </a:p>
@@ -3762,6 +3769,390 @@
 </p:sld>
 </file>
 
+<file path=ppt/slides/slide7.xml><?xml version="1.0" encoding="utf-8"?>
+<p:sld xmlns:a="http://schemas.openxmlformats.org/drawingml/2006/main" xmlns:r="http://schemas.openxmlformats.org/officeDocument/2006/relationships" xmlns:p="http://schemas.openxmlformats.org/presentationml/2006/main">
+  <p:cSld>
+    <p:spTree>
+      <p:nvGrpSpPr>
+        <p:cNvPr id="1" name=""/>
+        <p:cNvGrpSpPr/>
+        <p:nvPr/>
+      </p:nvGrpSpPr>
+      <p:grpSpPr>
+        <a:xfrm>
+          <a:off x="0" y="0"/>
+          <a:ext cx="0" cy="0"/>
+          <a:chOff x="0" y="0"/>
+          <a:chExt cx="0" cy="0"/>
+        </a:xfrm>
+      </p:grpSpPr>
+      <p:pic>
+        <p:nvPicPr>
+          <p:cNvPr id="2" name="Grafik 1" descr="Platte">
+            <a:extLst>
+              <a:ext uri="{FF2B5EF4-FFF2-40B4-BE49-F238E27FC236}">
+                <a16:creationId xmlns:a16="http://schemas.microsoft.com/office/drawing/2014/main" id="{0DB182DB-84FD-4D8B-8064-641A84BACA3C}"/>
+              </a:ext>
+            </a:extLst>
+          </p:cNvPr>
+          <p:cNvPicPr>
+            <a:picLocks noChangeAspect="1"/>
+          </p:cNvPicPr>
+          <p:nvPr/>
+        </p:nvPicPr>
+        <p:blipFill>
+          <a:blip r:embed="rId2">
+            <a:extLst>
+              <a:ext uri="{96DAC541-7B7A-43D3-8B79-37D633B846F1}">
+                <asvg:svgBlip xmlns:asvg="http://schemas.microsoft.com/office/drawing/2016/SVG/main" r:embed="rId3"/>
+              </a:ext>
+            </a:extLst>
+          </a:blip>
+          <a:stretch>
+            <a:fillRect/>
+          </a:stretch>
+        </p:blipFill>
+        <p:spPr>
+          <a:xfrm>
+            <a:off x="3556558" y="2952044"/>
+            <a:ext cx="914400" cy="914400"/>
+          </a:xfrm>
+          <a:prstGeom prst="rect">
+            <a:avLst/>
+          </a:prstGeom>
+        </p:spPr>
+      </p:pic>
+      <p:pic>
+        <p:nvPicPr>
+          <p:cNvPr id="3" name="Grafik 2" descr="Platte">
+            <a:extLst>
+              <a:ext uri="{FF2B5EF4-FFF2-40B4-BE49-F238E27FC236}">
+                <a16:creationId xmlns:a16="http://schemas.microsoft.com/office/drawing/2014/main" id="{0F5350EA-F8E6-45C2-907F-100BE59FADDA}"/>
+              </a:ext>
+            </a:extLst>
+          </p:cNvPr>
+          <p:cNvPicPr>
+            <a:picLocks noChangeAspect="1"/>
+          </p:cNvPicPr>
+          <p:nvPr/>
+        </p:nvPicPr>
+        <p:blipFill>
+          <a:blip r:embed="rId4">
+            <a:extLst>
+              <a:ext uri="{96DAC541-7B7A-43D3-8B79-37D633B846F1}">
+                <asvg:svgBlip xmlns:asvg="http://schemas.microsoft.com/office/drawing/2016/SVG/main" r:embed="rId5"/>
+              </a:ext>
+            </a:extLst>
+          </a:blip>
+          <a:stretch>
+            <a:fillRect/>
+          </a:stretch>
+        </p:blipFill>
+        <p:spPr>
+          <a:xfrm>
+            <a:off x="5877342" y="2971800"/>
+            <a:ext cx="914400" cy="914400"/>
+          </a:xfrm>
+          <a:prstGeom prst="rect">
+            <a:avLst/>
+          </a:prstGeom>
+        </p:spPr>
+      </p:pic>
+    </p:spTree>
+    <p:extLst>
+      <p:ext uri="{BB962C8B-B14F-4D97-AF65-F5344CB8AC3E}">
+        <p14:creationId xmlns:p14="http://schemas.microsoft.com/office/powerpoint/2010/main" val="2445817603"/>
+      </p:ext>
+    </p:extLst>
+  </p:cSld>
+  <p:clrMapOvr>
+    <a:masterClrMapping/>
+  </p:clrMapOvr>
+</p:sld>
+</file>
+
+<file path=ppt/slides/slide8.xml><?xml version="1.0" encoding="utf-8"?>
+<p:sld xmlns:a="http://schemas.openxmlformats.org/drawingml/2006/main" xmlns:r="http://schemas.openxmlformats.org/officeDocument/2006/relationships" xmlns:p="http://schemas.openxmlformats.org/presentationml/2006/main">
+  <p:cSld>
+    <p:spTree>
+      <p:nvGrpSpPr>
+        <p:cNvPr id="1" name=""/>
+        <p:cNvGrpSpPr/>
+        <p:nvPr/>
+      </p:nvGrpSpPr>
+      <p:grpSpPr>
+        <a:xfrm>
+          <a:off x="0" y="0"/>
+          <a:ext cx="0" cy="0"/>
+          <a:chOff x="0" y="0"/>
+          <a:chExt cx="0" cy="0"/>
+        </a:xfrm>
+      </p:grpSpPr>
+      <p:pic>
+        <p:nvPicPr>
+          <p:cNvPr id="3" name="Grafik 2" descr="Geschlossenes Buch">
+            <a:extLst>
+              <a:ext uri="{FF2B5EF4-FFF2-40B4-BE49-F238E27FC236}">
+                <a16:creationId xmlns:a16="http://schemas.microsoft.com/office/drawing/2014/main" id="{B839DB8D-0A59-4099-A855-9E77F051DB9A}"/>
+              </a:ext>
+            </a:extLst>
+          </p:cNvPr>
+          <p:cNvPicPr>
+            <a:picLocks noChangeAspect="1"/>
+          </p:cNvPicPr>
+          <p:nvPr/>
+        </p:nvPicPr>
+        <p:blipFill>
+          <a:blip r:embed="rId2">
+            <a:extLst>
+              <a:ext uri="{96DAC541-7B7A-43D3-8B79-37D633B846F1}">
+                <asvg:svgBlip xmlns:asvg="http://schemas.microsoft.com/office/drawing/2016/SVG/main" r:embed="rId3"/>
+              </a:ext>
+            </a:extLst>
+          </a:blip>
+          <a:stretch>
+            <a:fillRect/>
+          </a:stretch>
+        </p:blipFill>
+        <p:spPr>
+          <a:xfrm>
+            <a:off x="3464625" y="1314450"/>
+            <a:ext cx="914400" cy="914400"/>
+          </a:xfrm>
+          <a:prstGeom prst="rect">
+            <a:avLst/>
+          </a:prstGeom>
+        </p:spPr>
+      </p:pic>
+      <p:pic>
+        <p:nvPicPr>
+          <p:cNvPr id="5" name="Grafik 4" descr="Geschlossenes Buch">
+            <a:extLst>
+              <a:ext uri="{FF2B5EF4-FFF2-40B4-BE49-F238E27FC236}">
+                <a16:creationId xmlns:a16="http://schemas.microsoft.com/office/drawing/2014/main" id="{80B402F5-3280-4A05-A503-DC8A88948378}"/>
+              </a:ext>
+            </a:extLst>
+          </p:cNvPr>
+          <p:cNvPicPr>
+            <a:picLocks noChangeAspect="1"/>
+          </p:cNvPicPr>
+          <p:nvPr/>
+        </p:nvPicPr>
+        <p:blipFill>
+          <a:blip r:embed="rId4">
+            <a:extLst>
+              <a:ext uri="{96DAC541-7B7A-43D3-8B79-37D633B846F1}">
+                <asvg:svgBlip xmlns:asvg="http://schemas.microsoft.com/office/drawing/2016/SVG/main" r:embed="rId5"/>
+              </a:ext>
+            </a:extLst>
+          </a:blip>
+          <a:stretch>
+            <a:fillRect/>
+          </a:stretch>
+        </p:blipFill>
+        <p:spPr>
+          <a:xfrm>
+            <a:off x="6292272" y="1314450"/>
+            <a:ext cx="914400" cy="914400"/>
+          </a:xfrm>
+          <a:prstGeom prst="rect">
+            <a:avLst/>
+          </a:prstGeom>
+        </p:spPr>
+      </p:pic>
+      <p:pic>
+        <p:nvPicPr>
+          <p:cNvPr id="7" name="Grafik 6" descr="Cmd (Terminal)">
+            <a:extLst>
+              <a:ext uri="{FF2B5EF4-FFF2-40B4-BE49-F238E27FC236}">
+                <a16:creationId xmlns:a16="http://schemas.microsoft.com/office/drawing/2014/main" id="{C98BB7F0-F16C-45C6-9DFF-2F93C39EA6D8}"/>
+              </a:ext>
+            </a:extLst>
+          </p:cNvPr>
+          <p:cNvPicPr>
+            <a:picLocks noChangeAspect="1"/>
+          </p:cNvPicPr>
+          <p:nvPr/>
+        </p:nvPicPr>
+        <p:blipFill>
+          <a:blip r:embed="rId6">
+            <a:extLst>
+              <a:ext uri="{96DAC541-7B7A-43D3-8B79-37D633B846F1}">
+                <asvg:svgBlip xmlns:asvg="http://schemas.microsoft.com/office/drawing/2016/SVG/main" r:embed="rId7"/>
+              </a:ext>
+            </a:extLst>
+          </a:blip>
+          <a:stretch>
+            <a:fillRect/>
+          </a:stretch>
+        </p:blipFill>
+        <p:spPr>
+          <a:xfrm>
+            <a:off x="3464625" y="2682137"/>
+            <a:ext cx="914400" cy="914400"/>
+          </a:xfrm>
+          <a:prstGeom prst="rect">
+            <a:avLst/>
+          </a:prstGeom>
+        </p:spPr>
+      </p:pic>
+      <p:pic>
+        <p:nvPicPr>
+          <p:cNvPr id="9" name="Grafik 8" descr="Cmd (Terminal)">
+            <a:extLst>
+              <a:ext uri="{FF2B5EF4-FFF2-40B4-BE49-F238E27FC236}">
+                <a16:creationId xmlns:a16="http://schemas.microsoft.com/office/drawing/2014/main" id="{9B95F5BF-B2E1-42DE-8539-1877D015C529}"/>
+              </a:ext>
+            </a:extLst>
+          </p:cNvPr>
+          <p:cNvPicPr>
+            <a:picLocks noChangeAspect="1"/>
+          </p:cNvPicPr>
+          <p:nvPr/>
+        </p:nvPicPr>
+        <p:blipFill>
+          <a:blip r:embed="rId8">
+            <a:extLst>
+              <a:ext uri="{96DAC541-7B7A-43D3-8B79-37D633B846F1}">
+                <asvg:svgBlip xmlns:asvg="http://schemas.microsoft.com/office/drawing/2016/SVG/main" r:embed="rId9"/>
+              </a:ext>
+            </a:extLst>
+          </a:blip>
+          <a:stretch>
+            <a:fillRect/>
+          </a:stretch>
+        </p:blipFill>
+        <p:spPr>
+          <a:xfrm>
+            <a:off x="6376095" y="2645512"/>
+            <a:ext cx="914400" cy="914400"/>
+          </a:xfrm>
+          <a:prstGeom prst="rect">
+            <a:avLst/>
+          </a:prstGeom>
+        </p:spPr>
+      </p:pic>
+      <p:pic>
+        <p:nvPicPr>
+          <p:cNvPr id="11" name="Grafik 10" descr="Vertrag">
+            <a:extLst>
+              <a:ext uri="{FF2B5EF4-FFF2-40B4-BE49-F238E27FC236}">
+                <a16:creationId xmlns:a16="http://schemas.microsoft.com/office/drawing/2014/main" id="{B7040620-B9AA-4C2A-867C-80C812F6A4A4}"/>
+              </a:ext>
+            </a:extLst>
+          </p:cNvPr>
+          <p:cNvPicPr>
+            <a:picLocks noChangeAspect="1"/>
+          </p:cNvPicPr>
+          <p:nvPr/>
+        </p:nvPicPr>
+        <p:blipFill>
+          <a:blip r:embed="rId10">
+            <a:extLst>
+              <a:ext uri="{96DAC541-7B7A-43D3-8B79-37D633B846F1}">
+                <asvg:svgBlip xmlns:asvg="http://schemas.microsoft.com/office/drawing/2016/SVG/main" r:embed="rId11"/>
+              </a:ext>
+            </a:extLst>
+          </a:blip>
+          <a:stretch>
+            <a:fillRect/>
+          </a:stretch>
+        </p:blipFill>
+        <p:spPr>
+          <a:xfrm>
+            <a:off x="3464625" y="5135545"/>
+            <a:ext cx="914400" cy="914400"/>
+          </a:xfrm>
+          <a:prstGeom prst="rect">
+            <a:avLst/>
+          </a:prstGeom>
+        </p:spPr>
+      </p:pic>
+      <p:pic>
+        <p:nvPicPr>
+          <p:cNvPr id="17" name="Grafik 16" descr="Umschlag öffnen">
+            <a:extLst>
+              <a:ext uri="{FF2B5EF4-FFF2-40B4-BE49-F238E27FC236}">
+                <a16:creationId xmlns:a16="http://schemas.microsoft.com/office/drawing/2014/main" id="{01A1E4BC-D3EA-4AC7-AAF6-2AC968DBFABB}"/>
+              </a:ext>
+            </a:extLst>
+          </p:cNvPr>
+          <p:cNvPicPr>
+            <a:picLocks noChangeAspect="1"/>
+          </p:cNvPicPr>
+          <p:nvPr/>
+        </p:nvPicPr>
+        <p:blipFill>
+          <a:blip r:embed="rId12">
+            <a:extLst>
+              <a:ext uri="{96DAC541-7B7A-43D3-8B79-37D633B846F1}">
+                <asvg:svgBlip xmlns:asvg="http://schemas.microsoft.com/office/drawing/2016/SVG/main" r:embed="rId13"/>
+              </a:ext>
+            </a:extLst>
+          </a:blip>
+          <a:stretch>
+            <a:fillRect/>
+          </a:stretch>
+        </p:blipFill>
+        <p:spPr>
+          <a:xfrm>
+            <a:off x="3464625" y="3908841"/>
+            <a:ext cx="914400" cy="914400"/>
+          </a:xfrm>
+          <a:prstGeom prst="rect">
+            <a:avLst/>
+          </a:prstGeom>
+        </p:spPr>
+      </p:pic>
+      <p:pic>
+        <p:nvPicPr>
+          <p:cNvPr id="19" name="Grafik 18" descr="Umschlag öffnen">
+            <a:extLst>
+              <a:ext uri="{FF2B5EF4-FFF2-40B4-BE49-F238E27FC236}">
+                <a16:creationId xmlns:a16="http://schemas.microsoft.com/office/drawing/2014/main" id="{66019045-64C0-48CB-B309-08AEF4056640}"/>
+              </a:ext>
+            </a:extLst>
+          </p:cNvPr>
+          <p:cNvPicPr>
+            <a:picLocks noChangeAspect="1"/>
+          </p:cNvPicPr>
+          <p:nvPr/>
+        </p:nvPicPr>
+        <p:blipFill>
+          <a:blip r:embed="rId14">
+            <a:extLst>
+              <a:ext uri="{96DAC541-7B7A-43D3-8B79-37D633B846F1}">
+                <asvg:svgBlip xmlns:asvg="http://schemas.microsoft.com/office/drawing/2016/SVG/main" r:embed="rId15"/>
+              </a:ext>
+            </a:extLst>
+          </a:blip>
+          <a:stretch>
+            <a:fillRect/>
+          </a:stretch>
+        </p:blipFill>
+        <p:spPr>
+          <a:xfrm>
+            <a:off x="6376095" y="3993357"/>
+            <a:ext cx="914400" cy="914400"/>
+          </a:xfrm>
+          <a:prstGeom prst="rect">
+            <a:avLst/>
+          </a:prstGeom>
+        </p:spPr>
+      </p:pic>
+    </p:spTree>
+    <p:extLst>
+      <p:ext uri="{BB962C8B-B14F-4D97-AF65-F5344CB8AC3E}">
+        <p14:creationId xmlns:p14="http://schemas.microsoft.com/office/powerpoint/2010/main" val="858307439"/>
+      </p:ext>
+    </p:extLst>
+  </p:cSld>
+  <p:clrMapOvr>
+    <a:masterClrMapping/>
+  </p:clrMapOvr>
+</p:sld>
+</file>
+
 <file path=ppt/theme/theme1.xml><?xml version="1.0" encoding="utf-8"?>
 <a:theme xmlns:a="http://schemas.openxmlformats.org/drawingml/2006/main" name="Office">
   <a:themeElements>

--- a/files/icons/icons.pptx
+++ b/files/icons/icons.pptx
@@ -13,6 +13,7 @@
     <p:sldId id="261" r:id="rId7"/>
     <p:sldId id="263" r:id="rId8"/>
     <p:sldId id="262" r:id="rId9"/>
+    <p:sldId id="264" r:id="rId10"/>
   </p:sldIdLst>
   <p:sldSz cx="12192000" cy="6858000"/>
   <p:notesSz cx="6858000" cy="9144000"/>
@@ -266,7 +267,7 @@
           <a:p>
             <a:fld id="{C4B95F18-FC4C-4838-A23D-C12CD27FD480}" type="datetimeFigureOut">
               <a:rPr lang="de-DE" smtClean="0"/>
-              <a:t>26.06.2020</a:t>
+              <a:t>04.07.2020</a:t>
             </a:fld>
             <a:endParaRPr lang="de-DE"/>
           </a:p>
@@ -464,7 +465,7 @@
           <a:p>
             <a:fld id="{C4B95F18-FC4C-4838-A23D-C12CD27FD480}" type="datetimeFigureOut">
               <a:rPr lang="de-DE" smtClean="0"/>
-              <a:t>26.06.2020</a:t>
+              <a:t>04.07.2020</a:t>
             </a:fld>
             <a:endParaRPr lang="de-DE"/>
           </a:p>
@@ -672,7 +673,7 @@
           <a:p>
             <a:fld id="{C4B95F18-FC4C-4838-A23D-C12CD27FD480}" type="datetimeFigureOut">
               <a:rPr lang="de-DE" smtClean="0"/>
-              <a:t>26.06.2020</a:t>
+              <a:t>04.07.2020</a:t>
             </a:fld>
             <a:endParaRPr lang="de-DE"/>
           </a:p>
@@ -870,7 +871,7 @@
           <a:p>
             <a:fld id="{C4B95F18-FC4C-4838-A23D-C12CD27FD480}" type="datetimeFigureOut">
               <a:rPr lang="de-DE" smtClean="0"/>
-              <a:t>26.06.2020</a:t>
+              <a:t>04.07.2020</a:t>
             </a:fld>
             <a:endParaRPr lang="de-DE"/>
           </a:p>
@@ -1145,7 +1146,7 @@
           <a:p>
             <a:fld id="{C4B95F18-FC4C-4838-A23D-C12CD27FD480}" type="datetimeFigureOut">
               <a:rPr lang="de-DE" smtClean="0"/>
-              <a:t>26.06.2020</a:t>
+              <a:t>04.07.2020</a:t>
             </a:fld>
             <a:endParaRPr lang="de-DE"/>
           </a:p>
@@ -1410,7 +1411,7 @@
           <a:p>
             <a:fld id="{C4B95F18-FC4C-4838-A23D-C12CD27FD480}" type="datetimeFigureOut">
               <a:rPr lang="de-DE" smtClean="0"/>
-              <a:t>26.06.2020</a:t>
+              <a:t>04.07.2020</a:t>
             </a:fld>
             <a:endParaRPr lang="de-DE"/>
           </a:p>
@@ -1822,7 +1823,7 @@
           <a:p>
             <a:fld id="{C4B95F18-FC4C-4838-A23D-C12CD27FD480}" type="datetimeFigureOut">
               <a:rPr lang="de-DE" smtClean="0"/>
-              <a:t>26.06.2020</a:t>
+              <a:t>04.07.2020</a:t>
             </a:fld>
             <a:endParaRPr lang="de-DE"/>
           </a:p>
@@ -1963,7 +1964,7 @@
           <a:p>
             <a:fld id="{C4B95F18-FC4C-4838-A23D-C12CD27FD480}" type="datetimeFigureOut">
               <a:rPr lang="de-DE" smtClean="0"/>
-              <a:t>26.06.2020</a:t>
+              <a:t>04.07.2020</a:t>
             </a:fld>
             <a:endParaRPr lang="de-DE"/>
           </a:p>
@@ -2076,7 +2077,7 @@
           <a:p>
             <a:fld id="{C4B95F18-FC4C-4838-A23D-C12CD27FD480}" type="datetimeFigureOut">
               <a:rPr lang="de-DE" smtClean="0"/>
-              <a:t>26.06.2020</a:t>
+              <a:t>04.07.2020</a:t>
             </a:fld>
             <a:endParaRPr lang="de-DE"/>
           </a:p>
@@ -2387,7 +2388,7 @@
           <a:p>
             <a:fld id="{C4B95F18-FC4C-4838-A23D-C12CD27FD480}" type="datetimeFigureOut">
               <a:rPr lang="de-DE" smtClean="0"/>
-              <a:t>26.06.2020</a:t>
+              <a:t>04.07.2020</a:t>
             </a:fld>
             <a:endParaRPr lang="de-DE"/>
           </a:p>
@@ -2675,7 +2676,7 @@
           <a:p>
             <a:fld id="{C4B95F18-FC4C-4838-A23D-C12CD27FD480}" type="datetimeFigureOut">
               <a:rPr lang="de-DE" smtClean="0"/>
-              <a:t>26.06.2020</a:t>
+              <a:t>04.07.2020</a:t>
             </a:fld>
             <a:endParaRPr lang="de-DE"/>
           </a:p>
@@ -2916,7 +2917,7 @@
           <a:p>
             <a:fld id="{C4B95F18-FC4C-4838-A23D-C12CD27FD480}" type="datetimeFigureOut">
               <a:rPr lang="de-DE" smtClean="0"/>
-              <a:t>26.06.2020</a:t>
+              <a:t>04.07.2020</a:t>
             </a:fld>
             <a:endParaRPr lang="de-DE"/>
           </a:p>
@@ -4153,6 +4154,864 @@
 </p:sld>
 </file>
 
+<file path=ppt/slides/slide9.xml><?xml version="1.0" encoding="utf-8"?>
+<p:sld xmlns:a="http://schemas.openxmlformats.org/drawingml/2006/main" xmlns:r="http://schemas.openxmlformats.org/officeDocument/2006/relationships" xmlns:p="http://schemas.openxmlformats.org/presentationml/2006/main">
+  <p:cSld>
+    <p:spTree>
+      <p:nvGrpSpPr>
+        <p:cNvPr id="1" name=""/>
+        <p:cNvGrpSpPr/>
+        <p:nvPr/>
+      </p:nvGrpSpPr>
+      <p:grpSpPr>
+        <a:xfrm>
+          <a:off x="0" y="0"/>
+          <a:ext cx="0" cy="0"/>
+          <a:chOff x="0" y="0"/>
+          <a:chExt cx="0" cy="0"/>
+        </a:xfrm>
+      </p:grpSpPr>
+      <p:pic>
+        <p:nvPicPr>
+          <p:cNvPr id="3" name="Grafik 2" descr="Ausführen">
+            <a:extLst>
+              <a:ext uri="{FF2B5EF4-FFF2-40B4-BE49-F238E27FC236}">
+                <a16:creationId xmlns:a16="http://schemas.microsoft.com/office/drawing/2014/main" id="{04DD052C-085C-4FCA-8424-3CCF939348ED}"/>
+              </a:ext>
+            </a:extLst>
+          </p:cNvPr>
+          <p:cNvPicPr>
+            <a:picLocks noChangeAspect="1"/>
+          </p:cNvPicPr>
+          <p:nvPr/>
+        </p:nvPicPr>
+        <p:blipFill>
+          <a:blip r:embed="rId2">
+            <a:extLst>
+              <a:ext uri="{96DAC541-7B7A-43D3-8B79-37D633B846F1}">
+                <asvg:svgBlip xmlns:asvg="http://schemas.microsoft.com/office/drawing/2016/SVG/main" r:embed="rId3"/>
+              </a:ext>
+            </a:extLst>
+          </a:blip>
+          <a:stretch>
+            <a:fillRect/>
+          </a:stretch>
+        </p:blipFill>
+        <p:spPr>
+          <a:xfrm>
+            <a:off x="5237175" y="2547675"/>
+            <a:ext cx="914400" cy="914400"/>
+          </a:xfrm>
+          <a:prstGeom prst="rect">
+            <a:avLst/>
+          </a:prstGeom>
+        </p:spPr>
+      </p:pic>
+      <p:pic>
+        <p:nvPicPr>
+          <p:cNvPr id="5" name="Grafik 4" descr="Ambition">
+            <a:extLst>
+              <a:ext uri="{FF2B5EF4-FFF2-40B4-BE49-F238E27FC236}">
+                <a16:creationId xmlns:a16="http://schemas.microsoft.com/office/drawing/2014/main" id="{766E5E85-13BD-42BD-95D0-7809BDD30006}"/>
+              </a:ext>
+            </a:extLst>
+          </p:cNvPr>
+          <p:cNvPicPr>
+            <a:picLocks noChangeAspect="1"/>
+          </p:cNvPicPr>
+          <p:nvPr/>
+        </p:nvPicPr>
+        <p:blipFill>
+          <a:blip r:embed="rId4">
+            <a:extLst>
+              <a:ext uri="{96DAC541-7B7A-43D3-8B79-37D633B846F1}">
+                <asvg:svgBlip xmlns:asvg="http://schemas.microsoft.com/office/drawing/2016/SVG/main" r:embed="rId5"/>
+              </a:ext>
+            </a:extLst>
+          </a:blip>
+          <a:stretch>
+            <a:fillRect/>
+          </a:stretch>
+        </p:blipFill>
+        <p:spPr>
+          <a:xfrm>
+            <a:off x="1666875" y="4571700"/>
+            <a:ext cx="914400" cy="914400"/>
+          </a:xfrm>
+          <a:prstGeom prst="rect">
+            <a:avLst/>
+          </a:prstGeom>
+        </p:spPr>
+      </p:pic>
+      <p:pic>
+        <p:nvPicPr>
+          <p:cNvPr id="7" name="Grafik 6" descr="Ambition">
+            <a:extLst>
+              <a:ext uri="{FF2B5EF4-FFF2-40B4-BE49-F238E27FC236}">
+                <a16:creationId xmlns:a16="http://schemas.microsoft.com/office/drawing/2014/main" id="{23AD6068-5390-4ABA-9FBA-3EE1E1B44D4B}"/>
+              </a:ext>
+            </a:extLst>
+          </p:cNvPr>
+          <p:cNvPicPr>
+            <a:picLocks noChangeAspect="1"/>
+          </p:cNvPicPr>
+          <p:nvPr/>
+        </p:nvPicPr>
+        <p:blipFill>
+          <a:blip r:embed="rId6">
+            <a:extLst>
+              <a:ext uri="{96DAC541-7B7A-43D3-8B79-37D633B846F1}">
+                <asvg:svgBlip xmlns:asvg="http://schemas.microsoft.com/office/drawing/2016/SVG/main" r:embed="rId7"/>
+              </a:ext>
+            </a:extLst>
+          </a:blip>
+          <a:stretch>
+            <a:fillRect/>
+          </a:stretch>
+        </p:blipFill>
+        <p:spPr>
+          <a:xfrm>
+            <a:off x="527250" y="4631175"/>
+            <a:ext cx="914400" cy="914400"/>
+          </a:xfrm>
+          <a:prstGeom prst="rect">
+            <a:avLst/>
+          </a:prstGeom>
+        </p:spPr>
+      </p:pic>
+      <p:pic>
+        <p:nvPicPr>
+          <p:cNvPr id="9" name="Grafik 8" descr="Ladender Akku">
+            <a:extLst>
+              <a:ext uri="{FF2B5EF4-FFF2-40B4-BE49-F238E27FC236}">
+                <a16:creationId xmlns:a16="http://schemas.microsoft.com/office/drawing/2014/main" id="{55D56454-8827-484E-8E2D-785828CBB434}"/>
+              </a:ext>
+            </a:extLst>
+          </p:cNvPr>
+          <p:cNvPicPr>
+            <a:picLocks noChangeAspect="1"/>
+          </p:cNvPicPr>
+          <p:nvPr/>
+        </p:nvPicPr>
+        <p:blipFill>
+          <a:blip r:embed="rId8">
+            <a:extLst>
+              <a:ext uri="{96DAC541-7B7A-43D3-8B79-37D633B846F1}">
+                <asvg:svgBlip xmlns:asvg="http://schemas.microsoft.com/office/drawing/2016/SVG/main" r:embed="rId9"/>
+              </a:ext>
+            </a:extLst>
+          </a:blip>
+          <a:stretch>
+            <a:fillRect/>
+          </a:stretch>
+        </p:blipFill>
+        <p:spPr>
+          <a:xfrm>
+            <a:off x="761672" y="2496919"/>
+            <a:ext cx="914400" cy="914400"/>
+          </a:xfrm>
+          <a:prstGeom prst="rect">
+            <a:avLst/>
+          </a:prstGeom>
+        </p:spPr>
+      </p:pic>
+      <p:pic>
+        <p:nvPicPr>
+          <p:cNvPr id="11" name="Grafik 10" descr="Ladender Akku">
+            <a:extLst>
+              <a:ext uri="{FF2B5EF4-FFF2-40B4-BE49-F238E27FC236}">
+                <a16:creationId xmlns:a16="http://schemas.microsoft.com/office/drawing/2014/main" id="{D441A930-3D32-401E-8ADD-6EA18CFB5843}"/>
+              </a:ext>
+            </a:extLst>
+          </p:cNvPr>
+          <p:cNvPicPr>
+            <a:picLocks noChangeAspect="1"/>
+          </p:cNvPicPr>
+          <p:nvPr/>
+        </p:nvPicPr>
+        <p:blipFill>
+          <a:blip r:embed="rId10">
+            <a:extLst>
+              <a:ext uri="{96DAC541-7B7A-43D3-8B79-37D633B846F1}">
+                <asvg:svgBlip xmlns:asvg="http://schemas.microsoft.com/office/drawing/2016/SVG/main" r:embed="rId11"/>
+              </a:ext>
+            </a:extLst>
+          </a:blip>
+          <a:stretch>
+            <a:fillRect/>
+          </a:stretch>
+        </p:blipFill>
+        <p:spPr>
+          <a:xfrm>
+            <a:off x="2112168" y="2496919"/>
+            <a:ext cx="914400" cy="914400"/>
+          </a:xfrm>
+          <a:prstGeom prst="rect">
+            <a:avLst/>
+          </a:prstGeom>
+        </p:spPr>
+      </p:pic>
+      <p:pic>
+        <p:nvPicPr>
+          <p:cNvPr id="13" name="Grafik 12" descr="Bodybuilder">
+            <a:extLst>
+              <a:ext uri="{FF2B5EF4-FFF2-40B4-BE49-F238E27FC236}">
+                <a16:creationId xmlns:a16="http://schemas.microsoft.com/office/drawing/2014/main" id="{0D8FDAB9-B8C7-4918-B893-2C04D7EA40C1}"/>
+              </a:ext>
+            </a:extLst>
+          </p:cNvPr>
+          <p:cNvPicPr>
+            <a:picLocks noChangeAspect="1"/>
+          </p:cNvPicPr>
+          <p:nvPr/>
+        </p:nvPicPr>
+        <p:blipFill>
+          <a:blip r:embed="rId12">
+            <a:extLst>
+              <a:ext uri="{96DAC541-7B7A-43D3-8B79-37D633B846F1}">
+                <asvg:svgBlip xmlns:asvg="http://schemas.microsoft.com/office/drawing/2016/SVG/main" r:embed="rId13"/>
+              </a:ext>
+            </a:extLst>
+          </a:blip>
+          <a:stretch>
+            <a:fillRect/>
+          </a:stretch>
+        </p:blipFill>
+        <p:spPr>
+          <a:xfrm>
+            <a:off x="504750" y="492900"/>
+            <a:ext cx="914400" cy="914400"/>
+          </a:xfrm>
+          <a:prstGeom prst="rect">
+            <a:avLst/>
+          </a:prstGeom>
+        </p:spPr>
+      </p:pic>
+      <p:pic>
+        <p:nvPicPr>
+          <p:cNvPr id="15" name="Grafik 14" descr="Bodybuilder">
+            <a:extLst>
+              <a:ext uri="{FF2B5EF4-FFF2-40B4-BE49-F238E27FC236}">
+                <a16:creationId xmlns:a16="http://schemas.microsoft.com/office/drawing/2014/main" id="{899E5EC1-9B03-4A1B-98B6-35ADF2C65F0F}"/>
+              </a:ext>
+            </a:extLst>
+          </p:cNvPr>
+          <p:cNvPicPr>
+            <a:picLocks noChangeAspect="1"/>
+          </p:cNvPicPr>
+          <p:nvPr/>
+        </p:nvPicPr>
+        <p:blipFill>
+          <a:blip r:embed="rId14">
+            <a:extLst>
+              <a:ext uri="{96DAC541-7B7A-43D3-8B79-37D633B846F1}">
+                <asvg:svgBlip xmlns:asvg="http://schemas.microsoft.com/office/drawing/2016/SVG/main" r:embed="rId15"/>
+              </a:ext>
+            </a:extLst>
+          </a:blip>
+          <a:stretch>
+            <a:fillRect/>
+          </a:stretch>
+        </p:blipFill>
+        <p:spPr>
+          <a:xfrm>
+            <a:off x="1624275" y="457500"/>
+            <a:ext cx="914400" cy="914400"/>
+          </a:xfrm>
+          <a:prstGeom prst="rect">
+            <a:avLst/>
+          </a:prstGeom>
+        </p:spPr>
+      </p:pic>
+      <p:pic>
+        <p:nvPicPr>
+          <p:cNvPr id="17" name="Grafik 16" descr="Kurzhantel">
+            <a:extLst>
+              <a:ext uri="{FF2B5EF4-FFF2-40B4-BE49-F238E27FC236}">
+                <a16:creationId xmlns:a16="http://schemas.microsoft.com/office/drawing/2014/main" id="{C2222E49-E807-4F03-8BF5-5A98E6EF6904}"/>
+              </a:ext>
+            </a:extLst>
+          </p:cNvPr>
+          <p:cNvPicPr>
+            <a:picLocks noChangeAspect="1"/>
+          </p:cNvPicPr>
+          <p:nvPr/>
+        </p:nvPicPr>
+        <p:blipFill>
+          <a:blip r:embed="rId16">
+            <a:extLst>
+              <a:ext uri="{96DAC541-7B7A-43D3-8B79-37D633B846F1}">
+                <asvg:svgBlip xmlns:asvg="http://schemas.microsoft.com/office/drawing/2016/SVG/main" r:embed="rId17"/>
+              </a:ext>
+            </a:extLst>
+          </a:blip>
+          <a:stretch>
+            <a:fillRect/>
+          </a:stretch>
+        </p:blipFill>
+        <p:spPr>
+          <a:xfrm>
+            <a:off x="10819725" y="4882313"/>
+            <a:ext cx="914400" cy="914400"/>
+          </a:xfrm>
+          <a:prstGeom prst="rect">
+            <a:avLst/>
+          </a:prstGeom>
+        </p:spPr>
+      </p:pic>
+      <p:pic>
+        <p:nvPicPr>
+          <p:cNvPr id="19" name="Grafik 18" descr="Kurzhantel">
+            <a:extLst>
+              <a:ext uri="{FF2B5EF4-FFF2-40B4-BE49-F238E27FC236}">
+                <a16:creationId xmlns:a16="http://schemas.microsoft.com/office/drawing/2014/main" id="{8BC1046C-F32B-46C6-A751-4821518E357C}"/>
+              </a:ext>
+            </a:extLst>
+          </p:cNvPr>
+          <p:cNvPicPr>
+            <a:picLocks noChangeAspect="1"/>
+          </p:cNvPicPr>
+          <p:nvPr/>
+        </p:nvPicPr>
+        <p:blipFill>
+          <a:blip r:embed="rId18">
+            <a:extLst>
+              <a:ext uri="{96DAC541-7B7A-43D3-8B79-37D633B846F1}">
+                <asvg:svgBlip xmlns:asvg="http://schemas.microsoft.com/office/drawing/2016/SVG/main" r:embed="rId19"/>
+              </a:ext>
+            </a:extLst>
+          </a:blip>
+          <a:stretch>
+            <a:fillRect/>
+          </a:stretch>
+        </p:blipFill>
+        <p:spPr>
+          <a:xfrm>
+            <a:off x="9712725" y="4882313"/>
+            <a:ext cx="914400" cy="914400"/>
+          </a:xfrm>
+          <a:prstGeom prst="rect">
+            <a:avLst/>
+          </a:prstGeom>
+        </p:spPr>
+      </p:pic>
+      <p:pic>
+        <p:nvPicPr>
+          <p:cNvPr id="21" name="Grafik 20" descr="Geist">
+            <a:extLst>
+              <a:ext uri="{FF2B5EF4-FFF2-40B4-BE49-F238E27FC236}">
+                <a16:creationId xmlns:a16="http://schemas.microsoft.com/office/drawing/2014/main" id="{9637B090-5E24-4759-A7BE-4407379DA667}"/>
+              </a:ext>
+            </a:extLst>
+          </p:cNvPr>
+          <p:cNvPicPr>
+            <a:picLocks noChangeAspect="1"/>
+          </p:cNvPicPr>
+          <p:nvPr/>
+        </p:nvPicPr>
+        <p:blipFill>
+          <a:blip r:embed="rId20">
+            <a:extLst>
+              <a:ext uri="{96DAC541-7B7A-43D3-8B79-37D633B846F1}">
+                <asvg:svgBlip xmlns:asvg="http://schemas.microsoft.com/office/drawing/2016/SVG/main" r:embed="rId21"/>
+              </a:ext>
+            </a:extLst>
+          </a:blip>
+          <a:stretch>
+            <a:fillRect/>
+          </a:stretch>
+        </p:blipFill>
+        <p:spPr>
+          <a:xfrm>
+            <a:off x="3686625" y="2459663"/>
+            <a:ext cx="914400" cy="914400"/>
+          </a:xfrm>
+          <a:prstGeom prst="rect">
+            <a:avLst/>
+          </a:prstGeom>
+        </p:spPr>
+      </p:pic>
+      <p:pic>
+        <p:nvPicPr>
+          <p:cNvPr id="23" name="Grafik 22" descr="Goldener Schnitt">
+            <a:extLst>
+              <a:ext uri="{FF2B5EF4-FFF2-40B4-BE49-F238E27FC236}">
+                <a16:creationId xmlns:a16="http://schemas.microsoft.com/office/drawing/2014/main" id="{6557B687-2DD0-4897-A5C4-1A8B3E0A33D1}"/>
+              </a:ext>
+            </a:extLst>
+          </p:cNvPr>
+          <p:cNvPicPr>
+            <a:picLocks noChangeAspect="1"/>
+          </p:cNvPicPr>
+          <p:nvPr/>
+        </p:nvPicPr>
+        <p:blipFill>
+          <a:blip r:embed="rId22">
+            <a:extLst>
+              <a:ext uri="{96DAC541-7B7A-43D3-8B79-37D633B846F1}">
+                <asvg:svgBlip xmlns:asvg="http://schemas.microsoft.com/office/drawing/2016/SVG/main" r:embed="rId23"/>
+              </a:ext>
+            </a:extLst>
+          </a:blip>
+          <a:stretch>
+            <a:fillRect/>
+          </a:stretch>
+        </p:blipFill>
+        <p:spPr>
+          <a:xfrm>
+            <a:off x="6193125" y="335550"/>
+            <a:ext cx="914400" cy="914400"/>
+          </a:xfrm>
+          <a:prstGeom prst="rect">
+            <a:avLst/>
+          </a:prstGeom>
+        </p:spPr>
+      </p:pic>
+      <p:pic>
+        <p:nvPicPr>
+          <p:cNvPr id="25" name="Grafik 24" descr="Goldener Schnitt">
+            <a:extLst>
+              <a:ext uri="{FF2B5EF4-FFF2-40B4-BE49-F238E27FC236}">
+                <a16:creationId xmlns:a16="http://schemas.microsoft.com/office/drawing/2014/main" id="{6AB36204-1248-49EA-AD5D-92C668B2EC22}"/>
+              </a:ext>
+            </a:extLst>
+          </p:cNvPr>
+          <p:cNvPicPr>
+            <a:picLocks noChangeAspect="1"/>
+          </p:cNvPicPr>
+          <p:nvPr/>
+        </p:nvPicPr>
+        <p:blipFill>
+          <a:blip r:embed="rId24">
+            <a:extLst>
+              <a:ext uri="{96DAC541-7B7A-43D3-8B79-37D633B846F1}">
+                <asvg:svgBlip xmlns:asvg="http://schemas.microsoft.com/office/drawing/2016/SVG/main" r:embed="rId25"/>
+              </a:ext>
+            </a:extLst>
+          </a:blip>
+          <a:stretch>
+            <a:fillRect/>
+          </a:stretch>
+        </p:blipFill>
+        <p:spPr>
+          <a:xfrm>
+            <a:off x="4954875" y="305025"/>
+            <a:ext cx="914400" cy="914400"/>
+          </a:xfrm>
+          <a:prstGeom prst="rect">
+            <a:avLst/>
+          </a:prstGeom>
+        </p:spPr>
+      </p:pic>
+      <p:pic>
+        <p:nvPicPr>
+          <p:cNvPr id="27" name="Grafik 26" descr="Held männlich">
+            <a:extLst>
+              <a:ext uri="{FF2B5EF4-FFF2-40B4-BE49-F238E27FC236}">
+                <a16:creationId xmlns:a16="http://schemas.microsoft.com/office/drawing/2014/main" id="{A1791F64-6EB7-4A04-827F-99829933AB93}"/>
+              </a:ext>
+            </a:extLst>
+          </p:cNvPr>
+          <p:cNvPicPr>
+            <a:picLocks noChangeAspect="1"/>
+          </p:cNvPicPr>
+          <p:nvPr/>
+        </p:nvPicPr>
+        <p:blipFill>
+          <a:blip r:embed="rId26">
+            <a:extLst>
+              <a:ext uri="{96DAC541-7B7A-43D3-8B79-37D633B846F1}">
+                <asvg:svgBlip xmlns:asvg="http://schemas.microsoft.com/office/drawing/2016/SVG/main" r:embed="rId27"/>
+              </a:ext>
+            </a:extLst>
+          </a:blip>
+          <a:stretch>
+            <a:fillRect/>
+          </a:stretch>
+        </p:blipFill>
+        <p:spPr>
+          <a:xfrm>
+            <a:off x="9545063" y="2534175"/>
+            <a:ext cx="914400" cy="914400"/>
+          </a:xfrm>
+          <a:prstGeom prst="rect">
+            <a:avLst/>
+          </a:prstGeom>
+        </p:spPr>
+      </p:pic>
+      <p:pic>
+        <p:nvPicPr>
+          <p:cNvPr id="29" name="Grafik 28" descr="Held männlich">
+            <a:extLst>
+              <a:ext uri="{FF2B5EF4-FFF2-40B4-BE49-F238E27FC236}">
+                <a16:creationId xmlns:a16="http://schemas.microsoft.com/office/drawing/2014/main" id="{32606606-F51C-4A2E-AB67-BCB03464017F}"/>
+              </a:ext>
+            </a:extLst>
+          </p:cNvPr>
+          <p:cNvPicPr>
+            <a:picLocks noChangeAspect="1"/>
+          </p:cNvPicPr>
+          <p:nvPr/>
+        </p:nvPicPr>
+        <p:blipFill>
+          <a:blip r:embed="rId28">
+            <a:extLst>
+              <a:ext uri="{96DAC541-7B7A-43D3-8B79-37D633B846F1}">
+                <asvg:svgBlip xmlns:asvg="http://schemas.microsoft.com/office/drawing/2016/SVG/main" r:embed="rId29"/>
+              </a:ext>
+            </a:extLst>
+          </a:blip>
+          <a:stretch>
+            <a:fillRect/>
+          </a:stretch>
+        </p:blipFill>
+        <p:spPr>
+          <a:xfrm>
+            <a:off x="10839975" y="2496919"/>
+            <a:ext cx="914400" cy="914400"/>
+          </a:xfrm>
+          <a:prstGeom prst="rect">
+            <a:avLst/>
+          </a:prstGeom>
+        </p:spPr>
+      </p:pic>
+      <p:pic>
+        <p:nvPicPr>
+          <p:cNvPr id="31" name="Grafik 30" descr="Highwayszenerie">
+            <a:extLst>
+              <a:ext uri="{FF2B5EF4-FFF2-40B4-BE49-F238E27FC236}">
+                <a16:creationId xmlns:a16="http://schemas.microsoft.com/office/drawing/2014/main" id="{0679790C-BEB7-4330-B15F-50F36C52A156}"/>
+              </a:ext>
+            </a:extLst>
+          </p:cNvPr>
+          <p:cNvPicPr>
+            <a:picLocks noChangeAspect="1"/>
+          </p:cNvPicPr>
+          <p:nvPr/>
+        </p:nvPicPr>
+        <p:blipFill>
+          <a:blip r:embed="rId30">
+            <a:extLst>
+              <a:ext uri="{96DAC541-7B7A-43D3-8B79-37D633B846F1}">
+                <asvg:svgBlip xmlns:asvg="http://schemas.microsoft.com/office/drawing/2016/SVG/main" r:embed="rId31"/>
+              </a:ext>
+            </a:extLst>
+          </a:blip>
+          <a:stretch>
+            <a:fillRect/>
+          </a:stretch>
+        </p:blipFill>
+        <p:spPr>
+          <a:xfrm>
+            <a:off x="4497675" y="4617900"/>
+            <a:ext cx="914400" cy="914400"/>
+          </a:xfrm>
+          <a:prstGeom prst="rect">
+            <a:avLst/>
+          </a:prstGeom>
+        </p:spPr>
+      </p:pic>
+      <p:pic>
+        <p:nvPicPr>
+          <p:cNvPr id="33" name="Grafik 32" descr="Highwayszenerie">
+            <a:extLst>
+              <a:ext uri="{FF2B5EF4-FFF2-40B4-BE49-F238E27FC236}">
+                <a16:creationId xmlns:a16="http://schemas.microsoft.com/office/drawing/2014/main" id="{E03A3CFF-6B24-4FC5-B01B-03C29670B8D9}"/>
+              </a:ext>
+            </a:extLst>
+          </p:cNvPr>
+          <p:cNvPicPr>
+            <a:picLocks noChangeAspect="1"/>
+          </p:cNvPicPr>
+          <p:nvPr/>
+        </p:nvPicPr>
+        <p:blipFill>
+          <a:blip r:embed="rId32">
+            <a:extLst>
+              <a:ext uri="{96DAC541-7B7A-43D3-8B79-37D633B846F1}">
+                <asvg:svgBlip xmlns:asvg="http://schemas.microsoft.com/office/drawing/2016/SVG/main" r:embed="rId33"/>
+              </a:ext>
+            </a:extLst>
+          </a:blip>
+          <a:stretch>
+            <a:fillRect/>
+          </a:stretch>
+        </p:blipFill>
+        <p:spPr>
+          <a:xfrm>
+            <a:off x="3166800" y="4621875"/>
+            <a:ext cx="914400" cy="914400"/>
+          </a:xfrm>
+          <a:prstGeom prst="rect">
+            <a:avLst/>
+          </a:prstGeom>
+        </p:spPr>
+      </p:pic>
+      <p:pic>
+        <p:nvPicPr>
+          <p:cNvPr id="35" name="Grafik 34" descr="Wandern">
+            <a:extLst>
+              <a:ext uri="{FF2B5EF4-FFF2-40B4-BE49-F238E27FC236}">
+                <a16:creationId xmlns:a16="http://schemas.microsoft.com/office/drawing/2014/main" id="{4B3CB4CC-2F7F-4BD8-8666-A341002550EA}"/>
+              </a:ext>
+            </a:extLst>
+          </p:cNvPr>
+          <p:cNvPicPr>
+            <a:picLocks noChangeAspect="1"/>
+          </p:cNvPicPr>
+          <p:nvPr/>
+        </p:nvPicPr>
+        <p:blipFill>
+          <a:blip r:embed="rId34">
+            <a:extLst>
+              <a:ext uri="{96DAC541-7B7A-43D3-8B79-37D633B846F1}">
+                <asvg:svgBlip xmlns:asvg="http://schemas.microsoft.com/office/drawing/2016/SVG/main" r:embed="rId35"/>
+              </a:ext>
+            </a:extLst>
+          </a:blip>
+          <a:stretch>
+            <a:fillRect/>
+          </a:stretch>
+        </p:blipFill>
+        <p:spPr>
+          <a:xfrm>
+            <a:off x="6587175" y="2547675"/>
+            <a:ext cx="914400" cy="914400"/>
+          </a:xfrm>
+          <a:prstGeom prst="rect">
+            <a:avLst/>
+          </a:prstGeom>
+        </p:spPr>
+      </p:pic>
+      <p:pic>
+        <p:nvPicPr>
+          <p:cNvPr id="37" name="Grafik 36" descr="Wandern">
+            <a:extLst>
+              <a:ext uri="{FF2B5EF4-FFF2-40B4-BE49-F238E27FC236}">
+                <a16:creationId xmlns:a16="http://schemas.microsoft.com/office/drawing/2014/main" id="{70F773FD-5CFE-459F-B78F-F8E9762850A2}"/>
+              </a:ext>
+            </a:extLst>
+          </p:cNvPr>
+          <p:cNvPicPr>
+            <a:picLocks noChangeAspect="1"/>
+          </p:cNvPicPr>
+          <p:nvPr/>
+        </p:nvPicPr>
+        <p:blipFill>
+          <a:blip r:embed="rId36">
+            <a:extLst>
+              <a:ext uri="{96DAC541-7B7A-43D3-8B79-37D633B846F1}">
+                <asvg:svgBlip xmlns:asvg="http://schemas.microsoft.com/office/drawing/2016/SVG/main" r:embed="rId37"/>
+              </a:ext>
+            </a:extLst>
+          </a:blip>
+          <a:stretch>
+            <a:fillRect/>
+          </a:stretch>
+        </p:blipFill>
+        <p:spPr>
+          <a:xfrm>
+            <a:off x="7825125" y="2503275"/>
+            <a:ext cx="914400" cy="914400"/>
+          </a:xfrm>
+          <a:prstGeom prst="rect">
+            <a:avLst/>
+          </a:prstGeom>
+        </p:spPr>
+      </p:pic>
+      <p:pic>
+        <p:nvPicPr>
+          <p:cNvPr id="39" name="Grafik 38" descr="Uranus">
+            <a:extLst>
+              <a:ext uri="{FF2B5EF4-FFF2-40B4-BE49-F238E27FC236}">
+                <a16:creationId xmlns:a16="http://schemas.microsoft.com/office/drawing/2014/main" id="{2623B07D-1FF7-4C11-B72C-0E0DA27CAADF}"/>
+              </a:ext>
+            </a:extLst>
+          </p:cNvPr>
+          <p:cNvPicPr>
+            <a:picLocks noChangeAspect="1"/>
+          </p:cNvPicPr>
+          <p:nvPr/>
+        </p:nvPicPr>
+        <p:blipFill>
+          <a:blip r:embed="rId38">
+            <a:extLst>
+              <a:ext uri="{96DAC541-7B7A-43D3-8B79-37D633B846F1}">
+                <asvg:svgBlip xmlns:asvg="http://schemas.microsoft.com/office/drawing/2016/SVG/main" r:embed="rId39"/>
+              </a:ext>
+            </a:extLst>
+          </a:blip>
+          <a:stretch>
+            <a:fillRect/>
+          </a:stretch>
+        </p:blipFill>
+        <p:spPr>
+          <a:xfrm>
+            <a:off x="7328475" y="4704825"/>
+            <a:ext cx="914400" cy="914400"/>
+          </a:xfrm>
+          <a:prstGeom prst="rect">
+            <a:avLst/>
+          </a:prstGeom>
+        </p:spPr>
+      </p:pic>
+      <p:pic>
+        <p:nvPicPr>
+          <p:cNvPr id="41" name="Grafik 40" descr="Uranus">
+            <a:extLst>
+              <a:ext uri="{FF2B5EF4-FFF2-40B4-BE49-F238E27FC236}">
+                <a16:creationId xmlns:a16="http://schemas.microsoft.com/office/drawing/2014/main" id="{3EB07537-1070-477E-98CC-DF472C8F2E72}"/>
+              </a:ext>
+            </a:extLst>
+          </p:cNvPr>
+          <p:cNvPicPr>
+            <a:picLocks noChangeAspect="1"/>
+          </p:cNvPicPr>
+          <p:nvPr/>
+        </p:nvPicPr>
+        <p:blipFill>
+          <a:blip r:embed="rId40">
+            <a:extLst>
+              <a:ext uri="{96DAC541-7B7A-43D3-8B79-37D633B846F1}">
+                <asvg:svgBlip xmlns:asvg="http://schemas.microsoft.com/office/drawing/2016/SVG/main" r:embed="rId41"/>
+              </a:ext>
+            </a:extLst>
+          </a:blip>
+          <a:stretch>
+            <a:fillRect/>
+          </a:stretch>
+        </p:blipFill>
+        <p:spPr>
+          <a:xfrm>
+            <a:off x="6129975" y="4666725"/>
+            <a:ext cx="914400" cy="914400"/>
+          </a:xfrm>
+          <a:prstGeom prst="rect">
+            <a:avLst/>
+          </a:prstGeom>
+        </p:spPr>
+      </p:pic>
+      <p:pic>
+        <p:nvPicPr>
+          <p:cNvPr id="43" name="Grafik 42" descr="Person Krone männlich">
+            <a:extLst>
+              <a:ext uri="{FF2B5EF4-FFF2-40B4-BE49-F238E27FC236}">
+                <a16:creationId xmlns:a16="http://schemas.microsoft.com/office/drawing/2014/main" id="{E0E26257-95EC-4748-8FE9-6B18FA65CD8A}"/>
+              </a:ext>
+            </a:extLst>
+          </p:cNvPr>
+          <p:cNvPicPr>
+            <a:picLocks noChangeAspect="1"/>
+          </p:cNvPicPr>
+          <p:nvPr/>
+        </p:nvPicPr>
+        <p:blipFill>
+          <a:blip r:embed="rId42">
+            <a:extLst>
+              <a:ext uri="{96DAC541-7B7A-43D3-8B79-37D633B846F1}">
+                <asvg:svgBlip xmlns:asvg="http://schemas.microsoft.com/office/drawing/2016/SVG/main" r:embed="rId43"/>
+              </a:ext>
+            </a:extLst>
+          </a:blip>
+          <a:stretch>
+            <a:fillRect/>
+          </a:stretch>
+        </p:blipFill>
+        <p:spPr>
+          <a:xfrm>
+            <a:off x="7517250" y="301725"/>
+            <a:ext cx="914400" cy="914400"/>
+          </a:xfrm>
+          <a:prstGeom prst="rect">
+            <a:avLst/>
+          </a:prstGeom>
+        </p:spPr>
+      </p:pic>
+      <p:pic>
+        <p:nvPicPr>
+          <p:cNvPr id="45" name="Grafik 44" descr="Person Krone männlich">
+            <a:extLst>
+              <a:ext uri="{FF2B5EF4-FFF2-40B4-BE49-F238E27FC236}">
+                <a16:creationId xmlns:a16="http://schemas.microsoft.com/office/drawing/2014/main" id="{45BB1938-35AB-437C-8977-24446D329239}"/>
+              </a:ext>
+            </a:extLst>
+          </p:cNvPr>
+          <p:cNvPicPr>
+            <a:picLocks noChangeAspect="1"/>
+          </p:cNvPicPr>
+          <p:nvPr/>
+        </p:nvPicPr>
+        <p:blipFill>
+          <a:blip r:embed="rId44">
+            <a:extLst>
+              <a:ext uri="{96DAC541-7B7A-43D3-8B79-37D633B846F1}">
+                <asvg:svgBlip xmlns:asvg="http://schemas.microsoft.com/office/drawing/2016/SVG/main" r:embed="rId45"/>
+              </a:ext>
+            </a:extLst>
+          </a:blip>
+          <a:stretch>
+            <a:fillRect/>
+          </a:stretch>
+        </p:blipFill>
+        <p:spPr>
+          <a:xfrm>
+            <a:off x="8791200" y="266325"/>
+            <a:ext cx="914400" cy="914400"/>
+          </a:xfrm>
+          <a:prstGeom prst="rect">
+            <a:avLst/>
+          </a:prstGeom>
+        </p:spPr>
+      </p:pic>
+      <p:pic>
+        <p:nvPicPr>
+          <p:cNvPr id="47" name="Grafik 46" descr="Gewichtsabnahme">
+            <a:extLst>
+              <a:ext uri="{FF2B5EF4-FFF2-40B4-BE49-F238E27FC236}">
+                <a16:creationId xmlns:a16="http://schemas.microsoft.com/office/drawing/2014/main" id="{482D172F-7939-40F2-BB46-9448B4D42720}"/>
+              </a:ext>
+            </a:extLst>
+          </p:cNvPr>
+          <p:cNvPicPr>
+            <a:picLocks noChangeAspect="1"/>
+          </p:cNvPicPr>
+          <p:nvPr/>
+        </p:nvPicPr>
+        <p:blipFill>
+          <a:blip r:embed="rId46">
+            <a:extLst>
+              <a:ext uri="{96DAC541-7B7A-43D3-8B79-37D633B846F1}">
+                <asvg:svgBlip xmlns:asvg="http://schemas.microsoft.com/office/drawing/2016/SVG/main" r:embed="rId47"/>
+              </a:ext>
+            </a:extLst>
+          </a:blip>
+          <a:stretch>
+            <a:fillRect/>
+          </a:stretch>
+        </p:blipFill>
+        <p:spPr>
+          <a:xfrm>
+            <a:off x="10627125" y="111525"/>
+            <a:ext cx="914400" cy="914400"/>
+          </a:xfrm>
+          <a:prstGeom prst="rect">
+            <a:avLst/>
+          </a:prstGeom>
+        </p:spPr>
+      </p:pic>
+    </p:spTree>
+    <p:extLst>
+      <p:ext uri="{BB962C8B-B14F-4D97-AF65-F5344CB8AC3E}">
+        <p14:creationId xmlns:p14="http://schemas.microsoft.com/office/powerpoint/2010/main" val="3830064108"/>
+      </p:ext>
+    </p:extLst>
+  </p:cSld>
+  <p:clrMapOvr>
+    <a:masterClrMapping/>
+  </p:clrMapOvr>
+</p:sld>
+</file>
+
 <file path=ppt/theme/theme1.xml><?xml version="1.0" encoding="utf-8"?>
 <a:theme xmlns:a="http://schemas.openxmlformats.org/drawingml/2006/main" name="Office">
   <a:themeElements>

--- a/files/icons/icons.pptx
+++ b/files/icons/icons.pptx
@@ -14,6 +14,7 @@
     <p:sldId id="263" r:id="rId8"/>
     <p:sldId id="262" r:id="rId9"/>
     <p:sldId id="264" r:id="rId10"/>
+    <p:sldId id="265" r:id="rId11"/>
   </p:sldIdLst>
   <p:sldSz cx="12192000" cy="6858000"/>
   <p:notesSz cx="6858000" cy="9144000"/>
@@ -267,7 +268,7 @@
           <a:p>
             <a:fld id="{C4B95F18-FC4C-4838-A23D-C12CD27FD480}" type="datetimeFigureOut">
               <a:rPr lang="de-DE" smtClean="0"/>
-              <a:t>04.07.2020</a:t>
+              <a:t>17.07.2020</a:t>
             </a:fld>
             <a:endParaRPr lang="de-DE"/>
           </a:p>
@@ -465,7 +466,7 @@
           <a:p>
             <a:fld id="{C4B95F18-FC4C-4838-A23D-C12CD27FD480}" type="datetimeFigureOut">
               <a:rPr lang="de-DE" smtClean="0"/>
-              <a:t>04.07.2020</a:t>
+              <a:t>17.07.2020</a:t>
             </a:fld>
             <a:endParaRPr lang="de-DE"/>
           </a:p>
@@ -673,7 +674,7 @@
           <a:p>
             <a:fld id="{C4B95F18-FC4C-4838-A23D-C12CD27FD480}" type="datetimeFigureOut">
               <a:rPr lang="de-DE" smtClean="0"/>
-              <a:t>04.07.2020</a:t>
+              <a:t>17.07.2020</a:t>
             </a:fld>
             <a:endParaRPr lang="de-DE"/>
           </a:p>
@@ -871,7 +872,7 @@
           <a:p>
             <a:fld id="{C4B95F18-FC4C-4838-A23D-C12CD27FD480}" type="datetimeFigureOut">
               <a:rPr lang="de-DE" smtClean="0"/>
-              <a:t>04.07.2020</a:t>
+              <a:t>17.07.2020</a:t>
             </a:fld>
             <a:endParaRPr lang="de-DE"/>
           </a:p>
@@ -1146,7 +1147,7 @@
           <a:p>
             <a:fld id="{C4B95F18-FC4C-4838-A23D-C12CD27FD480}" type="datetimeFigureOut">
               <a:rPr lang="de-DE" smtClean="0"/>
-              <a:t>04.07.2020</a:t>
+              <a:t>17.07.2020</a:t>
             </a:fld>
             <a:endParaRPr lang="de-DE"/>
           </a:p>
@@ -1411,7 +1412,7 @@
           <a:p>
             <a:fld id="{C4B95F18-FC4C-4838-A23D-C12CD27FD480}" type="datetimeFigureOut">
               <a:rPr lang="de-DE" smtClean="0"/>
-              <a:t>04.07.2020</a:t>
+              <a:t>17.07.2020</a:t>
             </a:fld>
             <a:endParaRPr lang="de-DE"/>
           </a:p>
@@ -1823,7 +1824,7 @@
           <a:p>
             <a:fld id="{C4B95F18-FC4C-4838-A23D-C12CD27FD480}" type="datetimeFigureOut">
               <a:rPr lang="de-DE" smtClean="0"/>
-              <a:t>04.07.2020</a:t>
+              <a:t>17.07.2020</a:t>
             </a:fld>
             <a:endParaRPr lang="de-DE"/>
           </a:p>
@@ -1964,7 +1965,7 @@
           <a:p>
             <a:fld id="{C4B95F18-FC4C-4838-A23D-C12CD27FD480}" type="datetimeFigureOut">
               <a:rPr lang="de-DE" smtClean="0"/>
-              <a:t>04.07.2020</a:t>
+              <a:t>17.07.2020</a:t>
             </a:fld>
             <a:endParaRPr lang="de-DE"/>
           </a:p>
@@ -2077,7 +2078,7 @@
           <a:p>
             <a:fld id="{C4B95F18-FC4C-4838-A23D-C12CD27FD480}" type="datetimeFigureOut">
               <a:rPr lang="de-DE" smtClean="0"/>
-              <a:t>04.07.2020</a:t>
+              <a:t>17.07.2020</a:t>
             </a:fld>
             <a:endParaRPr lang="de-DE"/>
           </a:p>
@@ -2388,7 +2389,7 @@
           <a:p>
             <a:fld id="{C4B95F18-FC4C-4838-A23D-C12CD27FD480}" type="datetimeFigureOut">
               <a:rPr lang="de-DE" smtClean="0"/>
-              <a:t>04.07.2020</a:t>
+              <a:t>17.07.2020</a:t>
             </a:fld>
             <a:endParaRPr lang="de-DE"/>
           </a:p>
@@ -2676,7 +2677,7 @@
           <a:p>
             <a:fld id="{C4B95F18-FC4C-4838-A23D-C12CD27FD480}" type="datetimeFigureOut">
               <a:rPr lang="de-DE" smtClean="0"/>
-              <a:t>04.07.2020</a:t>
+              <a:t>17.07.2020</a:t>
             </a:fld>
             <a:endParaRPr lang="de-DE"/>
           </a:p>
@@ -2917,7 +2918,7 @@
           <a:p>
             <a:fld id="{C4B95F18-FC4C-4838-A23D-C12CD27FD480}" type="datetimeFigureOut">
               <a:rPr lang="de-DE" smtClean="0"/>
-              <a:t>04.07.2020</a:t>
+              <a:t>17.07.2020</a:t>
             </a:fld>
             <a:endParaRPr lang="de-DE"/>
           </a:p>
@@ -3386,6 +3387,107 @@
 </p:sld>
 </file>
 
+<file path=ppt/slides/slide10.xml><?xml version="1.0" encoding="utf-8"?>
+<p:sld xmlns:a="http://schemas.openxmlformats.org/drawingml/2006/main" xmlns:r="http://schemas.openxmlformats.org/officeDocument/2006/relationships" xmlns:p="http://schemas.openxmlformats.org/presentationml/2006/main">
+  <p:cSld>
+    <p:spTree>
+      <p:nvGrpSpPr>
+        <p:cNvPr id="1" name=""/>
+        <p:cNvGrpSpPr/>
+        <p:nvPr/>
+      </p:nvGrpSpPr>
+      <p:grpSpPr>
+        <a:xfrm>
+          <a:off x="0" y="0"/>
+          <a:ext cx="0" cy="0"/>
+          <a:chOff x="0" y="0"/>
+          <a:chExt cx="0" cy="0"/>
+        </a:xfrm>
+      </p:grpSpPr>
+      <p:pic>
+        <p:nvPicPr>
+          <p:cNvPr id="2" name="Grafik 1" descr="Geist">
+            <a:extLst>
+              <a:ext uri="{FF2B5EF4-FFF2-40B4-BE49-F238E27FC236}">
+                <a16:creationId xmlns:a16="http://schemas.microsoft.com/office/drawing/2014/main" id="{8C3C4EE6-7CEC-46B8-A1E5-12053CA7DB68}"/>
+              </a:ext>
+            </a:extLst>
+          </p:cNvPr>
+          <p:cNvPicPr>
+            <a:picLocks noChangeAspect="1"/>
+          </p:cNvPicPr>
+          <p:nvPr/>
+        </p:nvPicPr>
+        <p:blipFill>
+          <a:blip r:embed="rId2">
+            <a:extLst>
+              <a:ext uri="{96DAC541-7B7A-43D3-8B79-37D633B846F1}">
+                <asvg:svgBlip xmlns:asvg="http://schemas.microsoft.com/office/drawing/2016/SVG/main" r:embed="rId3"/>
+              </a:ext>
+            </a:extLst>
+          </a:blip>
+          <a:stretch>
+            <a:fillRect/>
+          </a:stretch>
+        </p:blipFill>
+        <p:spPr>
+          <a:xfrm>
+            <a:off x="410025" y="345113"/>
+            <a:ext cx="914400" cy="914400"/>
+          </a:xfrm>
+          <a:prstGeom prst="rect">
+            <a:avLst/>
+          </a:prstGeom>
+        </p:spPr>
+      </p:pic>
+      <p:sp>
+        <p:nvSpPr>
+          <p:cNvPr id="4" name="Textfeld 3">
+            <a:extLst>
+              <a:ext uri="{FF2B5EF4-FFF2-40B4-BE49-F238E27FC236}">
+                <a16:creationId xmlns:a16="http://schemas.microsoft.com/office/drawing/2014/main" id="{B0E8F552-6E6D-4B59-8E4D-C5FC699B07AB}"/>
+              </a:ext>
+            </a:extLst>
+          </p:cNvPr>
+          <p:cNvSpPr txBox="1"/>
+          <p:nvPr/>
+        </p:nvSpPr>
+        <p:spPr>
+          <a:xfrm>
+            <a:off x="410025" y="1316759"/>
+            <a:ext cx="914401" cy="369332"/>
+          </a:xfrm>
+          <a:prstGeom prst="rect">
+            <a:avLst/>
+          </a:prstGeom>
+          <a:noFill/>
+        </p:spPr>
+        <p:txBody>
+          <a:bodyPr wrap="square" rtlCol="0">
+            <a:spAutoFit/>
+          </a:bodyPr>
+          <a:lstStyle/>
+          <a:p>
+            <a:r>
+              <a:rPr lang="de-DE" dirty="0"/>
+              <a:t>96x96</a:t>
+            </a:r>
+          </a:p>
+        </p:txBody>
+      </p:sp>
+    </p:spTree>
+    <p:extLst>
+      <p:ext uri="{BB962C8B-B14F-4D97-AF65-F5344CB8AC3E}">
+        <p14:creationId xmlns:p14="http://schemas.microsoft.com/office/powerpoint/2010/main" val="3973787615"/>
+      </p:ext>
+    </p:extLst>
+  </p:cSld>
+  <p:clrMapOvr>
+    <a:masterClrMapping/>
+  </p:clrMapOvr>
+</p:sld>
+</file>
+
 <file path=ppt/slides/slide2.xml><?xml version="1.0" encoding="utf-8"?>
 <p:sld xmlns:a="http://schemas.openxmlformats.org/drawingml/2006/main" xmlns:r="http://schemas.openxmlformats.org/officeDocument/2006/relationships" xmlns:p="http://schemas.openxmlformats.org/presentationml/2006/main">
   <p:cSld>

--- a/files/icons/icons.pptx
+++ b/files/icons/icons.pptx
@@ -268,7 +268,7 @@
           <a:p>
             <a:fld id="{C4B95F18-FC4C-4838-A23D-C12CD27FD480}" type="datetimeFigureOut">
               <a:rPr lang="de-DE" smtClean="0"/>
-              <a:t>17.07.2020</a:t>
+              <a:t>04.08.2020</a:t>
             </a:fld>
             <a:endParaRPr lang="de-DE"/>
           </a:p>
@@ -466,7 +466,7 @@
           <a:p>
             <a:fld id="{C4B95F18-FC4C-4838-A23D-C12CD27FD480}" type="datetimeFigureOut">
               <a:rPr lang="de-DE" smtClean="0"/>
-              <a:t>17.07.2020</a:t>
+              <a:t>04.08.2020</a:t>
             </a:fld>
             <a:endParaRPr lang="de-DE"/>
           </a:p>
@@ -674,7 +674,7 @@
           <a:p>
             <a:fld id="{C4B95F18-FC4C-4838-A23D-C12CD27FD480}" type="datetimeFigureOut">
               <a:rPr lang="de-DE" smtClean="0"/>
-              <a:t>17.07.2020</a:t>
+              <a:t>04.08.2020</a:t>
             </a:fld>
             <a:endParaRPr lang="de-DE"/>
           </a:p>
@@ -872,7 +872,7 @@
           <a:p>
             <a:fld id="{C4B95F18-FC4C-4838-A23D-C12CD27FD480}" type="datetimeFigureOut">
               <a:rPr lang="de-DE" smtClean="0"/>
-              <a:t>17.07.2020</a:t>
+              <a:t>04.08.2020</a:t>
             </a:fld>
             <a:endParaRPr lang="de-DE"/>
           </a:p>
@@ -1147,7 +1147,7 @@
           <a:p>
             <a:fld id="{C4B95F18-FC4C-4838-A23D-C12CD27FD480}" type="datetimeFigureOut">
               <a:rPr lang="de-DE" smtClean="0"/>
-              <a:t>17.07.2020</a:t>
+              <a:t>04.08.2020</a:t>
             </a:fld>
             <a:endParaRPr lang="de-DE"/>
           </a:p>
@@ -1412,7 +1412,7 @@
           <a:p>
             <a:fld id="{C4B95F18-FC4C-4838-A23D-C12CD27FD480}" type="datetimeFigureOut">
               <a:rPr lang="de-DE" smtClean="0"/>
-              <a:t>17.07.2020</a:t>
+              <a:t>04.08.2020</a:t>
             </a:fld>
             <a:endParaRPr lang="de-DE"/>
           </a:p>
@@ -1824,7 +1824,7 @@
           <a:p>
             <a:fld id="{C4B95F18-FC4C-4838-A23D-C12CD27FD480}" type="datetimeFigureOut">
               <a:rPr lang="de-DE" smtClean="0"/>
-              <a:t>17.07.2020</a:t>
+              <a:t>04.08.2020</a:t>
             </a:fld>
             <a:endParaRPr lang="de-DE"/>
           </a:p>
@@ -1965,7 +1965,7 @@
           <a:p>
             <a:fld id="{C4B95F18-FC4C-4838-A23D-C12CD27FD480}" type="datetimeFigureOut">
               <a:rPr lang="de-DE" smtClean="0"/>
-              <a:t>17.07.2020</a:t>
+              <a:t>04.08.2020</a:t>
             </a:fld>
             <a:endParaRPr lang="de-DE"/>
           </a:p>
@@ -2078,7 +2078,7 @@
           <a:p>
             <a:fld id="{C4B95F18-FC4C-4838-A23D-C12CD27FD480}" type="datetimeFigureOut">
               <a:rPr lang="de-DE" smtClean="0"/>
-              <a:t>17.07.2020</a:t>
+              <a:t>04.08.2020</a:t>
             </a:fld>
             <a:endParaRPr lang="de-DE"/>
           </a:p>
@@ -2389,7 +2389,7 @@
           <a:p>
             <a:fld id="{C4B95F18-FC4C-4838-A23D-C12CD27FD480}" type="datetimeFigureOut">
               <a:rPr lang="de-DE" smtClean="0"/>
-              <a:t>17.07.2020</a:t>
+              <a:t>04.08.2020</a:t>
             </a:fld>
             <a:endParaRPr lang="de-DE"/>
           </a:p>
@@ -2677,7 +2677,7 @@
           <a:p>
             <a:fld id="{C4B95F18-FC4C-4838-A23D-C12CD27FD480}" type="datetimeFigureOut">
               <a:rPr lang="de-DE" smtClean="0"/>
-              <a:t>17.07.2020</a:t>
+              <a:t>04.08.2020</a:t>
             </a:fld>
             <a:endParaRPr lang="de-DE"/>
           </a:p>
@@ -2918,7 +2918,7 @@
           <a:p>
             <a:fld id="{C4B95F18-FC4C-4838-A23D-C12CD27FD480}" type="datetimeFigureOut">
               <a:rPr lang="de-DE" smtClean="0"/>
-              <a:t>17.07.2020</a:t>
+              <a:t>04.08.2020</a:t>
             </a:fld>
             <a:endParaRPr lang="de-DE"/>
           </a:p>
@@ -3432,7 +3432,7 @@
         </p:blipFill>
         <p:spPr>
           <a:xfrm>
-            <a:off x="410025" y="345113"/>
+            <a:off x="3674252" y="1612686"/>
             <a:ext cx="914400" cy="914400"/>
           </a:xfrm>
           <a:prstGeom prst="rect">
@@ -3454,7 +3454,7 @@
         </p:nvSpPr>
         <p:spPr>
           <a:xfrm>
-            <a:off x="410025" y="1316759"/>
+            <a:off x="3674252" y="2584332"/>
             <a:ext cx="914401" cy="369332"/>
           </a:xfrm>
           <a:prstGeom prst="rect">
@@ -3471,6 +3471,1142 @@
             <a:r>
               <a:rPr lang="de-DE" dirty="0"/>
               <a:t>96x96</a:t>
+            </a:r>
+          </a:p>
+        </p:txBody>
+      </p:sp>
+      <p:pic>
+        <p:nvPicPr>
+          <p:cNvPr id="3" name="Grafik 2" descr="Geist">
+            <a:extLst>
+              <a:ext uri="{FF2B5EF4-FFF2-40B4-BE49-F238E27FC236}">
+                <a16:creationId xmlns:a16="http://schemas.microsoft.com/office/drawing/2014/main" id="{9CFAD0D8-6690-4D73-9728-01C7BAC5EDCD}"/>
+              </a:ext>
+            </a:extLst>
+          </p:cNvPr>
+          <p:cNvPicPr>
+            <a:picLocks noChangeAspect="1"/>
+          </p:cNvPicPr>
+          <p:nvPr/>
+        </p:nvPicPr>
+        <p:blipFill>
+          <a:blip r:embed="rId2">
+            <a:extLst>
+              <a:ext uri="{96DAC541-7B7A-43D3-8B79-37D633B846F1}">
+                <asvg:svgBlip xmlns:asvg="http://schemas.microsoft.com/office/drawing/2016/SVG/main" r:embed="rId3"/>
+              </a:ext>
+            </a:extLst>
+          </a:blip>
+          <a:stretch>
+            <a:fillRect/>
+          </a:stretch>
+        </p:blipFill>
+        <p:spPr>
+          <a:xfrm>
+            <a:off x="-127561" y="0"/>
+            <a:ext cx="2438400" cy="2438400"/>
+          </a:xfrm>
+          <a:prstGeom prst="rect">
+            <a:avLst/>
+          </a:prstGeom>
+        </p:spPr>
+      </p:pic>
+      <p:sp>
+        <p:nvSpPr>
+          <p:cNvPr id="7" name="Textfeld 6">
+            <a:extLst>
+              <a:ext uri="{FF2B5EF4-FFF2-40B4-BE49-F238E27FC236}">
+                <a16:creationId xmlns:a16="http://schemas.microsoft.com/office/drawing/2014/main" id="{130FEC1C-B684-4AF6-A4E6-64757B30BD7C}"/>
+              </a:ext>
+            </a:extLst>
+          </p:cNvPr>
+          <p:cNvSpPr txBox="1"/>
+          <p:nvPr/>
+        </p:nvSpPr>
+        <p:spPr>
+          <a:xfrm>
+            <a:off x="457175" y="2583760"/>
+            <a:ext cx="1090508" cy="369332"/>
+          </a:xfrm>
+          <a:prstGeom prst="rect">
+            <a:avLst/>
+          </a:prstGeom>
+          <a:noFill/>
+        </p:spPr>
+        <p:txBody>
+          <a:bodyPr wrap="square" rtlCol="0">
+            <a:spAutoFit/>
+          </a:bodyPr>
+          <a:lstStyle/>
+          <a:p>
+            <a:r>
+              <a:rPr lang="de-DE" dirty="0"/>
+              <a:t>256x256</a:t>
+            </a:r>
+          </a:p>
+        </p:txBody>
+      </p:sp>
+      <p:pic>
+        <p:nvPicPr>
+          <p:cNvPr id="9" name="Grafik 8" descr="Geist">
+            <a:extLst>
+              <a:ext uri="{FF2B5EF4-FFF2-40B4-BE49-F238E27FC236}">
+                <a16:creationId xmlns:a16="http://schemas.microsoft.com/office/drawing/2014/main" id="{855AF401-21CC-4DED-BEDB-193CCD681C07}"/>
+              </a:ext>
+            </a:extLst>
+          </p:cNvPr>
+          <p:cNvPicPr>
+            <a:picLocks noChangeAspect="1"/>
+          </p:cNvPicPr>
+          <p:nvPr/>
+        </p:nvPicPr>
+        <p:blipFill>
+          <a:blip r:embed="rId2">
+            <a:extLst>
+              <a:ext uri="{96DAC541-7B7A-43D3-8B79-37D633B846F1}">
+                <asvg:svgBlip xmlns:asvg="http://schemas.microsoft.com/office/drawing/2016/SVG/main" r:embed="rId3"/>
+              </a:ext>
+            </a:extLst>
+          </a:blip>
+          <a:stretch>
+            <a:fillRect/>
+          </a:stretch>
+        </p:blipFill>
+        <p:spPr>
+          <a:xfrm>
+            <a:off x="2310839" y="1260472"/>
+            <a:ext cx="1219200" cy="1219200"/>
+          </a:xfrm>
+          <a:prstGeom prst="rect">
+            <a:avLst/>
+          </a:prstGeom>
+        </p:spPr>
+      </p:pic>
+      <p:sp>
+        <p:nvSpPr>
+          <p:cNvPr id="13" name="Textfeld 12">
+            <a:extLst>
+              <a:ext uri="{FF2B5EF4-FFF2-40B4-BE49-F238E27FC236}">
+                <a16:creationId xmlns:a16="http://schemas.microsoft.com/office/drawing/2014/main" id="{954F9E5E-5AED-4F8A-84AB-6DCA9756A516}"/>
+              </a:ext>
+            </a:extLst>
+          </p:cNvPr>
+          <p:cNvSpPr txBox="1"/>
+          <p:nvPr/>
+        </p:nvSpPr>
+        <p:spPr>
+          <a:xfrm>
+            <a:off x="2310839" y="2584332"/>
+            <a:ext cx="1090508" cy="369332"/>
+          </a:xfrm>
+          <a:prstGeom prst="rect">
+            <a:avLst/>
+          </a:prstGeom>
+          <a:noFill/>
+        </p:spPr>
+        <p:txBody>
+          <a:bodyPr wrap="square" rtlCol="0">
+            <a:spAutoFit/>
+          </a:bodyPr>
+          <a:lstStyle/>
+          <a:p>
+            <a:r>
+              <a:rPr lang="de-DE" dirty="0"/>
+              <a:t>128x128</a:t>
+            </a:r>
+          </a:p>
+        </p:txBody>
+      </p:sp>
+      <p:pic>
+        <p:nvPicPr>
+          <p:cNvPr id="15" name="Grafik 14" descr="Geist">
+            <a:extLst>
+              <a:ext uri="{FF2B5EF4-FFF2-40B4-BE49-F238E27FC236}">
+                <a16:creationId xmlns:a16="http://schemas.microsoft.com/office/drawing/2014/main" id="{13643F40-9987-40C4-BAA3-731B2BEA6F75}"/>
+              </a:ext>
+            </a:extLst>
+          </p:cNvPr>
+          <p:cNvPicPr>
+            <a:picLocks noChangeAspect="1"/>
+          </p:cNvPicPr>
+          <p:nvPr/>
+        </p:nvPicPr>
+        <p:blipFill>
+          <a:blip r:embed="rId2">
+            <a:extLst>
+              <a:ext uri="{96DAC541-7B7A-43D3-8B79-37D633B846F1}">
+                <asvg:svgBlip xmlns:asvg="http://schemas.microsoft.com/office/drawing/2016/SVG/main" r:embed="rId3"/>
+              </a:ext>
+            </a:extLst>
+          </a:blip>
+          <a:stretch>
+            <a:fillRect/>
+          </a:stretch>
+        </p:blipFill>
+        <p:spPr>
+          <a:xfrm>
+            <a:off x="4607703" y="1688410"/>
+            <a:ext cx="895350" cy="895350"/>
+          </a:xfrm>
+          <a:prstGeom prst="rect">
+            <a:avLst/>
+          </a:prstGeom>
+        </p:spPr>
+      </p:pic>
+      <p:sp>
+        <p:nvSpPr>
+          <p:cNvPr id="17" name="Textfeld 16">
+            <a:extLst>
+              <a:ext uri="{FF2B5EF4-FFF2-40B4-BE49-F238E27FC236}">
+                <a16:creationId xmlns:a16="http://schemas.microsoft.com/office/drawing/2014/main" id="{54783985-5C51-4A7B-8EB9-8A1BF562165D}"/>
+              </a:ext>
+            </a:extLst>
+          </p:cNvPr>
+          <p:cNvSpPr txBox="1"/>
+          <p:nvPr/>
+        </p:nvSpPr>
+        <p:spPr>
+          <a:xfrm>
+            <a:off x="4588652" y="2583760"/>
+            <a:ext cx="914401" cy="369332"/>
+          </a:xfrm>
+          <a:prstGeom prst="rect">
+            <a:avLst/>
+          </a:prstGeom>
+          <a:noFill/>
+        </p:spPr>
+        <p:txBody>
+          <a:bodyPr wrap="square" rtlCol="0">
+            <a:spAutoFit/>
+          </a:bodyPr>
+          <a:lstStyle/>
+          <a:p>
+            <a:r>
+              <a:rPr lang="de-DE" dirty="0"/>
+              <a:t>94x94</a:t>
+            </a:r>
+          </a:p>
+        </p:txBody>
+      </p:sp>
+      <p:pic>
+        <p:nvPicPr>
+          <p:cNvPr id="19" name="Grafik 18" descr="Geist">
+            <a:extLst>
+              <a:ext uri="{FF2B5EF4-FFF2-40B4-BE49-F238E27FC236}">
+                <a16:creationId xmlns:a16="http://schemas.microsoft.com/office/drawing/2014/main" id="{1106C663-69B2-421B-8149-391F65A6070F}"/>
+              </a:ext>
+            </a:extLst>
+          </p:cNvPr>
+          <p:cNvPicPr>
+            <a:picLocks noChangeAspect="1"/>
+          </p:cNvPicPr>
+          <p:nvPr/>
+        </p:nvPicPr>
+        <p:blipFill>
+          <a:blip r:embed="rId2">
+            <a:extLst>
+              <a:ext uri="{96DAC541-7B7A-43D3-8B79-37D633B846F1}">
+                <asvg:svgBlip xmlns:asvg="http://schemas.microsoft.com/office/drawing/2016/SVG/main" r:embed="rId3"/>
+              </a:ext>
+            </a:extLst>
+          </a:blip>
+          <a:stretch>
+            <a:fillRect/>
+          </a:stretch>
+        </p:blipFill>
+        <p:spPr>
+          <a:xfrm>
+            <a:off x="5503053" y="1764038"/>
+            <a:ext cx="819150" cy="819150"/>
+          </a:xfrm>
+          <a:prstGeom prst="rect">
+            <a:avLst/>
+          </a:prstGeom>
+        </p:spPr>
+      </p:pic>
+      <p:sp>
+        <p:nvSpPr>
+          <p:cNvPr id="21" name="Textfeld 20">
+            <a:extLst>
+              <a:ext uri="{FF2B5EF4-FFF2-40B4-BE49-F238E27FC236}">
+                <a16:creationId xmlns:a16="http://schemas.microsoft.com/office/drawing/2014/main" id="{AFA3CF77-3960-4324-A761-AB270D1988E3}"/>
+              </a:ext>
+            </a:extLst>
+          </p:cNvPr>
+          <p:cNvSpPr txBox="1"/>
+          <p:nvPr/>
+        </p:nvSpPr>
+        <p:spPr>
+          <a:xfrm>
+            <a:off x="5455428" y="2583188"/>
+            <a:ext cx="914401" cy="369332"/>
+          </a:xfrm>
+          <a:prstGeom prst="rect">
+            <a:avLst/>
+          </a:prstGeom>
+          <a:noFill/>
+        </p:spPr>
+        <p:txBody>
+          <a:bodyPr wrap="square" rtlCol="0">
+            <a:spAutoFit/>
+          </a:bodyPr>
+          <a:lstStyle/>
+          <a:p>
+            <a:r>
+              <a:rPr lang="de-DE" dirty="0"/>
+              <a:t>86x86</a:t>
+            </a:r>
+          </a:p>
+        </p:txBody>
+      </p:sp>
+      <p:pic>
+        <p:nvPicPr>
+          <p:cNvPr id="23" name="Grafik 22" descr="Geist">
+            <a:extLst>
+              <a:ext uri="{FF2B5EF4-FFF2-40B4-BE49-F238E27FC236}">
+                <a16:creationId xmlns:a16="http://schemas.microsoft.com/office/drawing/2014/main" id="{2F21AA88-5DB6-48E8-9DF1-591D1242D9AE}"/>
+              </a:ext>
+            </a:extLst>
+          </p:cNvPr>
+          <p:cNvPicPr>
+            <a:picLocks noChangeAspect="1"/>
+          </p:cNvPicPr>
+          <p:nvPr/>
+        </p:nvPicPr>
+        <p:blipFill>
+          <a:blip r:embed="rId2">
+            <a:extLst>
+              <a:ext uri="{96DAC541-7B7A-43D3-8B79-37D633B846F1}">
+                <asvg:svgBlip xmlns:asvg="http://schemas.microsoft.com/office/drawing/2016/SVG/main" r:embed="rId3"/>
+              </a:ext>
+            </a:extLst>
+          </a:blip>
+          <a:stretch>
+            <a:fillRect/>
+          </a:stretch>
+        </p:blipFill>
+        <p:spPr>
+          <a:xfrm>
+            <a:off x="6322203" y="1861255"/>
+            <a:ext cx="742950" cy="742950"/>
+          </a:xfrm>
+          <a:prstGeom prst="rect">
+            <a:avLst/>
+          </a:prstGeom>
+        </p:spPr>
+      </p:pic>
+      <p:sp>
+        <p:nvSpPr>
+          <p:cNvPr id="25" name="Textfeld 24">
+            <a:extLst>
+              <a:ext uri="{FF2B5EF4-FFF2-40B4-BE49-F238E27FC236}">
+                <a16:creationId xmlns:a16="http://schemas.microsoft.com/office/drawing/2014/main" id="{7BAE6F48-9EED-47D0-9635-2A9F823BC915}"/>
+              </a:ext>
+            </a:extLst>
+          </p:cNvPr>
+          <p:cNvSpPr txBox="1"/>
+          <p:nvPr/>
+        </p:nvSpPr>
+        <p:spPr>
+          <a:xfrm>
+            <a:off x="6284104" y="2582616"/>
+            <a:ext cx="914401" cy="369332"/>
+          </a:xfrm>
+          <a:prstGeom prst="rect">
+            <a:avLst/>
+          </a:prstGeom>
+          <a:noFill/>
+        </p:spPr>
+        <p:txBody>
+          <a:bodyPr wrap="square" rtlCol="0">
+            <a:spAutoFit/>
+          </a:bodyPr>
+          <a:lstStyle/>
+          <a:p>
+            <a:r>
+              <a:rPr lang="de-DE" dirty="0"/>
+              <a:t>78x78</a:t>
+            </a:r>
+          </a:p>
+        </p:txBody>
+      </p:sp>
+      <p:pic>
+        <p:nvPicPr>
+          <p:cNvPr id="27" name="Grafik 26" descr="Geist">
+            <a:extLst>
+              <a:ext uri="{FF2B5EF4-FFF2-40B4-BE49-F238E27FC236}">
+                <a16:creationId xmlns:a16="http://schemas.microsoft.com/office/drawing/2014/main" id="{AFE812CC-70F7-43F5-AA11-3159FC164248}"/>
+              </a:ext>
+            </a:extLst>
+          </p:cNvPr>
+          <p:cNvPicPr>
+            <a:picLocks noChangeAspect="1"/>
+          </p:cNvPicPr>
+          <p:nvPr/>
+        </p:nvPicPr>
+        <p:blipFill>
+          <a:blip r:embed="rId2">
+            <a:extLst>
+              <a:ext uri="{96DAC541-7B7A-43D3-8B79-37D633B846F1}">
+                <asvg:svgBlip xmlns:asvg="http://schemas.microsoft.com/office/drawing/2016/SVG/main" r:embed="rId3"/>
+              </a:ext>
+            </a:extLst>
+          </a:blip>
+          <a:stretch>
+            <a:fillRect/>
+          </a:stretch>
+        </p:blipFill>
+        <p:spPr>
+          <a:xfrm>
+            <a:off x="7150880" y="1974178"/>
+            <a:ext cx="666750" cy="666750"/>
+          </a:xfrm>
+          <a:prstGeom prst="rect">
+            <a:avLst/>
+          </a:prstGeom>
+        </p:spPr>
+      </p:pic>
+      <p:sp>
+        <p:nvSpPr>
+          <p:cNvPr id="29" name="Textfeld 28">
+            <a:extLst>
+              <a:ext uri="{FF2B5EF4-FFF2-40B4-BE49-F238E27FC236}">
+                <a16:creationId xmlns:a16="http://schemas.microsoft.com/office/drawing/2014/main" id="{DA3E30D4-C9FF-401F-B3BA-FCEB77BEF1F9}"/>
+              </a:ext>
+            </a:extLst>
+          </p:cNvPr>
+          <p:cNvSpPr txBox="1"/>
+          <p:nvPr/>
+        </p:nvSpPr>
+        <p:spPr>
+          <a:xfrm>
+            <a:off x="7077103" y="2582044"/>
+            <a:ext cx="914401" cy="369332"/>
+          </a:xfrm>
+          <a:prstGeom prst="rect">
+            <a:avLst/>
+          </a:prstGeom>
+          <a:noFill/>
+        </p:spPr>
+        <p:txBody>
+          <a:bodyPr wrap="square" rtlCol="0">
+            <a:spAutoFit/>
+          </a:bodyPr>
+          <a:lstStyle/>
+          <a:p>
+            <a:r>
+              <a:rPr lang="de-DE" dirty="0"/>
+              <a:t>70x70</a:t>
+            </a:r>
+          </a:p>
+        </p:txBody>
+      </p:sp>
+      <p:pic>
+        <p:nvPicPr>
+          <p:cNvPr id="31" name="Grafik 30" descr="Geist">
+            <a:extLst>
+              <a:ext uri="{FF2B5EF4-FFF2-40B4-BE49-F238E27FC236}">
+                <a16:creationId xmlns:a16="http://schemas.microsoft.com/office/drawing/2014/main" id="{7D3DDD97-CB92-4A3D-AC18-AEDF953F5494}"/>
+              </a:ext>
+            </a:extLst>
+          </p:cNvPr>
+          <p:cNvPicPr>
+            <a:picLocks noChangeAspect="1"/>
+          </p:cNvPicPr>
+          <p:nvPr/>
+        </p:nvPicPr>
+        <p:blipFill>
+          <a:blip r:embed="rId2">
+            <a:extLst>
+              <a:ext uri="{96DAC541-7B7A-43D3-8B79-37D633B846F1}">
+                <asvg:svgBlip xmlns:asvg="http://schemas.microsoft.com/office/drawing/2016/SVG/main" r:embed="rId3"/>
+              </a:ext>
+            </a:extLst>
+          </a:blip>
+          <a:stretch>
+            <a:fillRect/>
+          </a:stretch>
+        </p:blipFill>
+        <p:spPr>
+          <a:xfrm>
+            <a:off x="7884303" y="2031328"/>
+            <a:ext cx="609600" cy="609600"/>
+          </a:xfrm>
+          <a:prstGeom prst="rect">
+            <a:avLst/>
+          </a:prstGeom>
+        </p:spPr>
+      </p:pic>
+      <p:sp>
+        <p:nvSpPr>
+          <p:cNvPr id="33" name="Textfeld 32">
+            <a:extLst>
+              <a:ext uri="{FF2B5EF4-FFF2-40B4-BE49-F238E27FC236}">
+                <a16:creationId xmlns:a16="http://schemas.microsoft.com/office/drawing/2014/main" id="{0D3B2A91-E0AB-44FD-9F3F-D0DA1F3B2E51}"/>
+              </a:ext>
+            </a:extLst>
+          </p:cNvPr>
+          <p:cNvSpPr txBox="1"/>
+          <p:nvPr/>
+        </p:nvSpPr>
+        <p:spPr>
+          <a:xfrm>
+            <a:off x="7792188" y="2582044"/>
+            <a:ext cx="914401" cy="369332"/>
+          </a:xfrm>
+          <a:prstGeom prst="rect">
+            <a:avLst/>
+          </a:prstGeom>
+          <a:noFill/>
+        </p:spPr>
+        <p:txBody>
+          <a:bodyPr wrap="square" rtlCol="0">
+            <a:spAutoFit/>
+          </a:bodyPr>
+          <a:lstStyle/>
+          <a:p>
+            <a:r>
+              <a:rPr lang="de-DE" dirty="0"/>
+              <a:t>64x64</a:t>
+            </a:r>
+          </a:p>
+        </p:txBody>
+      </p:sp>
+      <p:pic>
+        <p:nvPicPr>
+          <p:cNvPr id="35" name="Grafik 34" descr="Geist">
+            <a:extLst>
+              <a:ext uri="{FF2B5EF4-FFF2-40B4-BE49-F238E27FC236}">
+                <a16:creationId xmlns:a16="http://schemas.microsoft.com/office/drawing/2014/main" id="{6AAAD920-1BD6-4AAE-B3DF-EAD749504588}"/>
+              </a:ext>
+            </a:extLst>
+          </p:cNvPr>
+          <p:cNvPicPr>
+            <a:picLocks noChangeAspect="1"/>
+          </p:cNvPicPr>
+          <p:nvPr/>
+        </p:nvPicPr>
+        <p:blipFill>
+          <a:blip r:embed="rId2">
+            <a:extLst>
+              <a:ext uri="{96DAC541-7B7A-43D3-8B79-37D633B846F1}">
+                <asvg:svgBlip xmlns:asvg="http://schemas.microsoft.com/office/drawing/2016/SVG/main" r:embed="rId3"/>
+              </a:ext>
+            </a:extLst>
+          </a:blip>
+          <a:stretch>
+            <a:fillRect/>
+          </a:stretch>
+        </p:blipFill>
+        <p:spPr>
+          <a:xfrm>
+            <a:off x="8597064" y="2031328"/>
+            <a:ext cx="590550" cy="590550"/>
+          </a:xfrm>
+          <a:prstGeom prst="rect">
+            <a:avLst/>
+          </a:prstGeom>
+        </p:spPr>
+      </p:pic>
+      <p:sp>
+        <p:nvSpPr>
+          <p:cNvPr id="37" name="Textfeld 36">
+            <a:extLst>
+              <a:ext uri="{FF2B5EF4-FFF2-40B4-BE49-F238E27FC236}">
+                <a16:creationId xmlns:a16="http://schemas.microsoft.com/office/drawing/2014/main" id="{673F14D7-D262-4873-B8DF-03C096DCD8C0}"/>
+              </a:ext>
+            </a:extLst>
+          </p:cNvPr>
+          <p:cNvSpPr txBox="1"/>
+          <p:nvPr/>
+        </p:nvSpPr>
+        <p:spPr>
+          <a:xfrm>
+            <a:off x="8500373" y="2582044"/>
+            <a:ext cx="914401" cy="369332"/>
+          </a:xfrm>
+          <a:prstGeom prst="rect">
+            <a:avLst/>
+          </a:prstGeom>
+          <a:noFill/>
+        </p:spPr>
+        <p:txBody>
+          <a:bodyPr wrap="square" rtlCol="0">
+            <a:spAutoFit/>
+          </a:bodyPr>
+          <a:lstStyle/>
+          <a:p>
+            <a:r>
+              <a:rPr lang="de-DE" dirty="0"/>
+              <a:t>62x62</a:t>
+            </a:r>
+          </a:p>
+        </p:txBody>
+      </p:sp>
+      <p:pic>
+        <p:nvPicPr>
+          <p:cNvPr id="39" name="Grafik 38" descr="Geist">
+            <a:extLst>
+              <a:ext uri="{FF2B5EF4-FFF2-40B4-BE49-F238E27FC236}">
+                <a16:creationId xmlns:a16="http://schemas.microsoft.com/office/drawing/2014/main" id="{198B3926-B47C-45A4-BFC7-D51C25B43E55}"/>
+              </a:ext>
+            </a:extLst>
+          </p:cNvPr>
+          <p:cNvPicPr>
+            <a:picLocks noChangeAspect="1"/>
+          </p:cNvPicPr>
+          <p:nvPr/>
+        </p:nvPicPr>
+        <p:blipFill>
+          <a:blip r:embed="rId2">
+            <a:extLst>
+              <a:ext uri="{96DAC541-7B7A-43D3-8B79-37D633B846F1}">
+                <asvg:svgBlip xmlns:asvg="http://schemas.microsoft.com/office/drawing/2016/SVG/main" r:embed="rId3"/>
+              </a:ext>
+            </a:extLst>
+          </a:blip>
+          <a:stretch>
+            <a:fillRect/>
+          </a:stretch>
+        </p:blipFill>
+        <p:spPr>
+          <a:xfrm>
+            <a:off x="9377176" y="2069428"/>
+            <a:ext cx="533400" cy="533400"/>
+          </a:xfrm>
+          <a:prstGeom prst="rect">
+            <a:avLst/>
+          </a:prstGeom>
+        </p:spPr>
+      </p:pic>
+      <p:sp>
+        <p:nvSpPr>
+          <p:cNvPr id="41" name="Textfeld 40">
+            <a:extLst>
+              <a:ext uri="{FF2B5EF4-FFF2-40B4-BE49-F238E27FC236}">
+                <a16:creationId xmlns:a16="http://schemas.microsoft.com/office/drawing/2014/main" id="{D5004B86-41CF-47DA-9D82-CD732F388217}"/>
+              </a:ext>
+            </a:extLst>
+          </p:cNvPr>
+          <p:cNvSpPr txBox="1"/>
+          <p:nvPr/>
+        </p:nvSpPr>
+        <p:spPr>
+          <a:xfrm>
+            <a:off x="9240237" y="2582044"/>
+            <a:ext cx="914401" cy="369332"/>
+          </a:xfrm>
+          <a:prstGeom prst="rect">
+            <a:avLst/>
+          </a:prstGeom>
+          <a:noFill/>
+        </p:spPr>
+        <p:txBody>
+          <a:bodyPr wrap="square" rtlCol="0">
+            <a:spAutoFit/>
+          </a:bodyPr>
+          <a:lstStyle/>
+          <a:p>
+            <a:r>
+              <a:rPr lang="de-DE" dirty="0"/>
+              <a:t>56x56</a:t>
+            </a:r>
+          </a:p>
+        </p:txBody>
+      </p:sp>
+      <p:pic>
+        <p:nvPicPr>
+          <p:cNvPr id="43" name="Grafik 42" descr="Geist">
+            <a:extLst>
+              <a:ext uri="{FF2B5EF4-FFF2-40B4-BE49-F238E27FC236}">
+                <a16:creationId xmlns:a16="http://schemas.microsoft.com/office/drawing/2014/main" id="{11CD7A28-4BF9-4F14-AB39-500B91F9208E}"/>
+              </a:ext>
+            </a:extLst>
+          </p:cNvPr>
+          <p:cNvPicPr>
+            <a:picLocks noChangeAspect="1"/>
+          </p:cNvPicPr>
+          <p:nvPr/>
+        </p:nvPicPr>
+        <p:blipFill>
+          <a:blip r:embed="rId2">
+            <a:extLst>
+              <a:ext uri="{96DAC541-7B7A-43D3-8B79-37D633B846F1}">
+                <asvg:svgBlip xmlns:asvg="http://schemas.microsoft.com/office/drawing/2016/SVG/main" r:embed="rId3"/>
+              </a:ext>
+            </a:extLst>
+          </a:blip>
+          <a:stretch>
+            <a:fillRect/>
+          </a:stretch>
+        </p:blipFill>
+        <p:spPr>
+          <a:xfrm>
+            <a:off x="10089076" y="2164678"/>
+            <a:ext cx="457200" cy="457200"/>
+          </a:xfrm>
+          <a:prstGeom prst="rect">
+            <a:avLst/>
+          </a:prstGeom>
+        </p:spPr>
+      </p:pic>
+      <p:sp>
+        <p:nvSpPr>
+          <p:cNvPr id="45" name="Textfeld 44">
+            <a:extLst>
+              <a:ext uri="{FF2B5EF4-FFF2-40B4-BE49-F238E27FC236}">
+                <a16:creationId xmlns:a16="http://schemas.microsoft.com/office/drawing/2014/main" id="{41B78901-565D-4560-AD4F-6DF6FC633A9A}"/>
+              </a:ext>
+            </a:extLst>
+          </p:cNvPr>
+          <p:cNvSpPr txBox="1"/>
+          <p:nvPr/>
+        </p:nvSpPr>
+        <p:spPr>
+          <a:xfrm>
+            <a:off x="10000809" y="2579715"/>
+            <a:ext cx="914401" cy="369332"/>
+          </a:xfrm>
+          <a:prstGeom prst="rect">
+            <a:avLst/>
+          </a:prstGeom>
+          <a:noFill/>
+        </p:spPr>
+        <p:txBody>
+          <a:bodyPr wrap="square" rtlCol="0">
+            <a:spAutoFit/>
+          </a:bodyPr>
+          <a:lstStyle/>
+          <a:p>
+            <a:r>
+              <a:rPr lang="de-DE" dirty="0"/>
+              <a:t>48x48</a:t>
+            </a:r>
+          </a:p>
+        </p:txBody>
+      </p:sp>
+      <p:pic>
+        <p:nvPicPr>
+          <p:cNvPr id="47" name="Grafik 46" descr="Geist">
+            <a:extLst>
+              <a:ext uri="{FF2B5EF4-FFF2-40B4-BE49-F238E27FC236}">
+                <a16:creationId xmlns:a16="http://schemas.microsoft.com/office/drawing/2014/main" id="{9CB799FB-2DFC-457B-8615-69FE0B6475A6}"/>
+              </a:ext>
+            </a:extLst>
+          </p:cNvPr>
+          <p:cNvPicPr>
+            <a:picLocks noChangeAspect="1"/>
+          </p:cNvPicPr>
+          <p:nvPr/>
+        </p:nvPicPr>
+        <p:blipFill>
+          <a:blip r:embed="rId2">
+            <a:extLst>
+              <a:ext uri="{96DAC541-7B7A-43D3-8B79-37D633B846F1}">
+                <asvg:svgBlip xmlns:asvg="http://schemas.microsoft.com/office/drawing/2016/SVG/main" r:embed="rId3"/>
+              </a:ext>
+            </a:extLst>
+          </a:blip>
+          <a:stretch>
+            <a:fillRect/>
+          </a:stretch>
+        </p:blipFill>
+        <p:spPr>
+          <a:xfrm>
+            <a:off x="621429" y="3714409"/>
+            <a:ext cx="381000" cy="381000"/>
+          </a:xfrm>
+          <a:prstGeom prst="rect">
+            <a:avLst/>
+          </a:prstGeom>
+        </p:spPr>
+      </p:pic>
+      <p:sp>
+        <p:nvSpPr>
+          <p:cNvPr id="49" name="Textfeld 48">
+            <a:extLst>
+              <a:ext uri="{FF2B5EF4-FFF2-40B4-BE49-F238E27FC236}">
+                <a16:creationId xmlns:a16="http://schemas.microsoft.com/office/drawing/2014/main" id="{FCCAC883-E078-4451-B27E-851E3CCC6C3D}"/>
+              </a:ext>
+            </a:extLst>
+          </p:cNvPr>
+          <p:cNvSpPr txBox="1"/>
+          <p:nvPr/>
+        </p:nvSpPr>
+        <p:spPr>
+          <a:xfrm>
+            <a:off x="457175" y="4095409"/>
+            <a:ext cx="914401" cy="369332"/>
+          </a:xfrm>
+          <a:prstGeom prst="rect">
+            <a:avLst/>
+          </a:prstGeom>
+          <a:noFill/>
+        </p:spPr>
+        <p:txBody>
+          <a:bodyPr wrap="square" rtlCol="0">
+            <a:spAutoFit/>
+          </a:bodyPr>
+          <a:lstStyle/>
+          <a:p>
+            <a:r>
+              <a:rPr lang="de-DE" dirty="0"/>
+              <a:t>40x40</a:t>
+            </a:r>
+          </a:p>
+        </p:txBody>
+      </p:sp>
+      <p:pic>
+        <p:nvPicPr>
+          <p:cNvPr id="53" name="Grafik 52" descr="Geist">
+            <a:extLst>
+              <a:ext uri="{FF2B5EF4-FFF2-40B4-BE49-F238E27FC236}">
+                <a16:creationId xmlns:a16="http://schemas.microsoft.com/office/drawing/2014/main" id="{F632F080-DE0B-45DD-A7A9-4E70558BEABE}"/>
+              </a:ext>
+            </a:extLst>
+          </p:cNvPr>
+          <p:cNvPicPr>
+            <a:picLocks noChangeAspect="1"/>
+          </p:cNvPicPr>
+          <p:nvPr/>
+        </p:nvPicPr>
+        <p:blipFill>
+          <a:blip r:embed="rId2">
+            <a:extLst>
+              <a:ext uri="{96DAC541-7B7A-43D3-8B79-37D633B846F1}">
+                <asvg:svgBlip xmlns:asvg="http://schemas.microsoft.com/office/drawing/2016/SVG/main" r:embed="rId3"/>
+              </a:ext>
+            </a:extLst>
+          </a:blip>
+          <a:stretch>
+            <a:fillRect/>
+          </a:stretch>
+        </p:blipFill>
+        <p:spPr>
+          <a:xfrm>
+            <a:off x="1351306" y="3790609"/>
+            <a:ext cx="304800" cy="304800"/>
+          </a:xfrm>
+          <a:prstGeom prst="rect">
+            <a:avLst/>
+          </a:prstGeom>
+        </p:spPr>
+      </p:pic>
+      <p:sp>
+        <p:nvSpPr>
+          <p:cNvPr id="55" name="Textfeld 54">
+            <a:extLst>
+              <a:ext uri="{FF2B5EF4-FFF2-40B4-BE49-F238E27FC236}">
+                <a16:creationId xmlns:a16="http://schemas.microsoft.com/office/drawing/2014/main" id="{D40DFAA3-180A-4421-A9D6-BC7BDB349DCF}"/>
+              </a:ext>
+            </a:extLst>
+          </p:cNvPr>
+          <p:cNvSpPr txBox="1"/>
+          <p:nvPr/>
+        </p:nvSpPr>
+        <p:spPr>
+          <a:xfrm>
+            <a:off x="1091639" y="4095409"/>
+            <a:ext cx="914401" cy="369332"/>
+          </a:xfrm>
+          <a:prstGeom prst="rect">
+            <a:avLst/>
+          </a:prstGeom>
+          <a:noFill/>
+        </p:spPr>
+        <p:txBody>
+          <a:bodyPr wrap="square" rtlCol="0">
+            <a:spAutoFit/>
+          </a:bodyPr>
+          <a:lstStyle/>
+          <a:p>
+            <a:r>
+              <a:rPr lang="de-DE" dirty="0"/>
+              <a:t>32x32</a:t>
+            </a:r>
+          </a:p>
+        </p:txBody>
+      </p:sp>
+      <p:pic>
+        <p:nvPicPr>
+          <p:cNvPr id="57" name="Grafik 56" descr="Geist">
+            <a:extLst>
+              <a:ext uri="{FF2B5EF4-FFF2-40B4-BE49-F238E27FC236}">
+                <a16:creationId xmlns:a16="http://schemas.microsoft.com/office/drawing/2014/main" id="{26C9F1CC-E762-4D4C-B60F-D4B358BF2951}"/>
+              </a:ext>
+            </a:extLst>
+          </p:cNvPr>
+          <p:cNvPicPr>
+            <a:picLocks noChangeAspect="1"/>
+          </p:cNvPicPr>
+          <p:nvPr/>
+        </p:nvPicPr>
+        <p:blipFill>
+          <a:blip r:embed="rId2">
+            <a:extLst>
+              <a:ext uri="{96DAC541-7B7A-43D3-8B79-37D633B846F1}">
+                <asvg:svgBlip xmlns:asvg="http://schemas.microsoft.com/office/drawing/2016/SVG/main" r:embed="rId3"/>
+              </a:ext>
+            </a:extLst>
+          </a:blip>
+          <a:stretch>
+            <a:fillRect/>
+          </a:stretch>
+        </p:blipFill>
+        <p:spPr>
+          <a:xfrm>
+            <a:off x="2196539" y="3866809"/>
+            <a:ext cx="228600" cy="228600"/>
+          </a:xfrm>
+          <a:prstGeom prst="rect">
+            <a:avLst/>
+          </a:prstGeom>
+        </p:spPr>
+      </p:pic>
+      <p:sp>
+        <p:nvSpPr>
+          <p:cNvPr id="59" name="Textfeld 58">
+            <a:extLst>
+              <a:ext uri="{FF2B5EF4-FFF2-40B4-BE49-F238E27FC236}">
+                <a16:creationId xmlns:a16="http://schemas.microsoft.com/office/drawing/2014/main" id="{8B80F92D-BF22-441F-BF90-1CDDBE4792C9}"/>
+              </a:ext>
+            </a:extLst>
+          </p:cNvPr>
+          <p:cNvSpPr txBox="1"/>
+          <p:nvPr/>
+        </p:nvSpPr>
+        <p:spPr>
+          <a:xfrm>
+            <a:off x="1853638" y="4097664"/>
+            <a:ext cx="914401" cy="369332"/>
+          </a:xfrm>
+          <a:prstGeom prst="rect">
+            <a:avLst/>
+          </a:prstGeom>
+          <a:noFill/>
+        </p:spPr>
+        <p:txBody>
+          <a:bodyPr wrap="square" rtlCol="0">
+            <a:spAutoFit/>
+          </a:bodyPr>
+          <a:lstStyle/>
+          <a:p>
+            <a:r>
+              <a:rPr lang="de-DE" dirty="0"/>
+              <a:t>24x24</a:t>
+            </a:r>
+          </a:p>
+        </p:txBody>
+      </p:sp>
+      <p:pic>
+        <p:nvPicPr>
+          <p:cNvPr id="61" name="Grafik 60" descr="Geist">
+            <a:extLst>
+              <a:ext uri="{FF2B5EF4-FFF2-40B4-BE49-F238E27FC236}">
+                <a16:creationId xmlns:a16="http://schemas.microsoft.com/office/drawing/2014/main" id="{B095610D-C878-45E5-9E2F-94F2C1D4ADB0}"/>
+              </a:ext>
+            </a:extLst>
+          </p:cNvPr>
+          <p:cNvPicPr>
+            <a:picLocks noChangeAspect="1"/>
+          </p:cNvPicPr>
+          <p:nvPr/>
+        </p:nvPicPr>
+        <p:blipFill>
+          <a:blip r:embed="rId2">
+            <a:extLst>
+              <a:ext uri="{96DAC541-7B7A-43D3-8B79-37D633B846F1}">
+                <asvg:svgBlip xmlns:asvg="http://schemas.microsoft.com/office/drawing/2016/SVG/main" r:embed="rId3"/>
+              </a:ext>
+            </a:extLst>
+          </a:blip>
+          <a:stretch>
+            <a:fillRect/>
+          </a:stretch>
+        </p:blipFill>
+        <p:spPr>
+          <a:xfrm>
+            <a:off x="2934512" y="3904337"/>
+            <a:ext cx="190500" cy="190500"/>
+          </a:xfrm>
+          <a:prstGeom prst="rect">
+            <a:avLst/>
+          </a:prstGeom>
+        </p:spPr>
+      </p:pic>
+      <p:sp>
+        <p:nvSpPr>
+          <p:cNvPr id="63" name="Textfeld 62">
+            <a:extLst>
+              <a:ext uri="{FF2B5EF4-FFF2-40B4-BE49-F238E27FC236}">
+                <a16:creationId xmlns:a16="http://schemas.microsoft.com/office/drawing/2014/main" id="{33047F90-FF42-4038-994F-10558B816656}"/>
+              </a:ext>
+            </a:extLst>
+          </p:cNvPr>
+          <p:cNvSpPr txBox="1"/>
+          <p:nvPr/>
+        </p:nvSpPr>
+        <p:spPr>
+          <a:xfrm>
+            <a:off x="2646136" y="4094837"/>
+            <a:ext cx="914401" cy="369332"/>
+          </a:xfrm>
+          <a:prstGeom prst="rect">
+            <a:avLst/>
+          </a:prstGeom>
+          <a:noFill/>
+        </p:spPr>
+        <p:txBody>
+          <a:bodyPr wrap="square" rtlCol="0">
+            <a:spAutoFit/>
+          </a:bodyPr>
+          <a:lstStyle/>
+          <a:p>
+            <a:r>
+              <a:rPr lang="de-DE" dirty="0"/>
+              <a:t>20x20</a:t>
+            </a:r>
+          </a:p>
+        </p:txBody>
+      </p:sp>
+      <p:pic>
+        <p:nvPicPr>
+          <p:cNvPr id="65" name="Grafik 64" descr="Geist">
+            <a:extLst>
+              <a:ext uri="{FF2B5EF4-FFF2-40B4-BE49-F238E27FC236}">
+                <a16:creationId xmlns:a16="http://schemas.microsoft.com/office/drawing/2014/main" id="{AD07DBE1-D683-47AE-BB60-262015A79C12}"/>
+              </a:ext>
+            </a:extLst>
+          </p:cNvPr>
+          <p:cNvPicPr>
+            <a:picLocks noChangeAspect="1"/>
+          </p:cNvPicPr>
+          <p:nvPr/>
+        </p:nvPicPr>
+        <p:blipFill>
+          <a:blip r:embed="rId2">
+            <a:extLst>
+              <a:ext uri="{96DAC541-7B7A-43D3-8B79-37D633B846F1}">
+                <asvg:svgBlip xmlns:asvg="http://schemas.microsoft.com/office/drawing/2016/SVG/main" r:embed="rId3"/>
+              </a:ext>
+            </a:extLst>
+          </a:blip>
+          <a:stretch>
+            <a:fillRect/>
+          </a:stretch>
+        </p:blipFill>
+        <p:spPr>
+          <a:xfrm>
+            <a:off x="3708187" y="3943009"/>
+            <a:ext cx="152400" cy="152400"/>
+          </a:xfrm>
+          <a:prstGeom prst="rect">
+            <a:avLst/>
+          </a:prstGeom>
+        </p:spPr>
+      </p:pic>
+      <p:sp>
+        <p:nvSpPr>
+          <p:cNvPr id="67" name="Textfeld 66">
+            <a:extLst>
+              <a:ext uri="{FF2B5EF4-FFF2-40B4-BE49-F238E27FC236}">
+                <a16:creationId xmlns:a16="http://schemas.microsoft.com/office/drawing/2014/main" id="{7C944046-FF0F-41BD-953A-D906719BE4D8}"/>
+              </a:ext>
+            </a:extLst>
+          </p:cNvPr>
+          <p:cNvSpPr txBox="1"/>
+          <p:nvPr/>
+        </p:nvSpPr>
+        <p:spPr>
+          <a:xfrm>
+            <a:off x="3403386" y="4100388"/>
+            <a:ext cx="914401" cy="369332"/>
+          </a:xfrm>
+          <a:prstGeom prst="rect">
+            <a:avLst/>
+          </a:prstGeom>
+          <a:noFill/>
+        </p:spPr>
+        <p:txBody>
+          <a:bodyPr wrap="square" rtlCol="0">
+            <a:spAutoFit/>
+          </a:bodyPr>
+          <a:lstStyle/>
+          <a:p>
+            <a:r>
+              <a:rPr lang="de-DE" dirty="0"/>
+              <a:t>16x16</a:t>
+            </a:r>
+          </a:p>
+        </p:txBody>
+      </p:sp>
+      <p:pic>
+        <p:nvPicPr>
+          <p:cNvPr id="69" name="Grafik 68" descr="Geist">
+            <a:extLst>
+              <a:ext uri="{FF2B5EF4-FFF2-40B4-BE49-F238E27FC236}">
+                <a16:creationId xmlns:a16="http://schemas.microsoft.com/office/drawing/2014/main" id="{3E8E81A5-4578-4D1D-A3B9-B229D85914F3}"/>
+              </a:ext>
+            </a:extLst>
+          </p:cNvPr>
+          <p:cNvPicPr>
+            <a:picLocks noChangeAspect="1"/>
+          </p:cNvPicPr>
+          <p:nvPr/>
+        </p:nvPicPr>
+        <p:blipFill>
+          <a:blip r:embed="rId2">
+            <a:extLst>
+              <a:ext uri="{96DAC541-7B7A-43D3-8B79-37D633B846F1}">
+                <asvg:svgBlip xmlns:asvg="http://schemas.microsoft.com/office/drawing/2016/SVG/main" r:embed="rId3"/>
+              </a:ext>
+            </a:extLst>
+          </a:blip>
+          <a:stretch>
+            <a:fillRect/>
+          </a:stretch>
+        </p:blipFill>
+        <p:spPr>
+          <a:xfrm>
+            <a:off x="4546388" y="4023686"/>
+            <a:ext cx="76200" cy="76200"/>
+          </a:xfrm>
+          <a:prstGeom prst="rect">
+            <a:avLst/>
+          </a:prstGeom>
+        </p:spPr>
+      </p:pic>
+      <p:sp>
+        <p:nvSpPr>
+          <p:cNvPr id="71" name="Textfeld 70">
+            <a:extLst>
+              <a:ext uri="{FF2B5EF4-FFF2-40B4-BE49-F238E27FC236}">
+                <a16:creationId xmlns:a16="http://schemas.microsoft.com/office/drawing/2014/main" id="{20CC1FEF-70D2-4717-B067-71CBAE6760CF}"/>
+              </a:ext>
+            </a:extLst>
+          </p:cNvPr>
+          <p:cNvSpPr txBox="1"/>
+          <p:nvPr/>
+        </p:nvSpPr>
+        <p:spPr>
+          <a:xfrm>
+            <a:off x="4313331" y="4094837"/>
+            <a:ext cx="914401" cy="369332"/>
+          </a:xfrm>
+          <a:prstGeom prst="rect">
+            <a:avLst/>
+          </a:prstGeom>
+          <a:noFill/>
+        </p:spPr>
+        <p:txBody>
+          <a:bodyPr wrap="square" rtlCol="0">
+            <a:spAutoFit/>
+          </a:bodyPr>
+          <a:lstStyle/>
+          <a:p>
+            <a:r>
+              <a:rPr lang="de-DE" dirty="0"/>
+              <a:t>8x8</a:t>
             </a:r>
           </a:p>
         </p:txBody>
